--- a/draft-ietf-opsawg-ipfix-gtpu-00.pptx
+++ b/draft-ietf-opsawg-ipfix-gtpu-00.pptx
@@ -929,7 +929,7 @@
           <a:p>
             <a:fld id="{E5E705E9-673F-4AC4-B29E-A7B26F3B8523}" type="datetimeFigureOut">
               <a:rPr lang="de-CH" smtClean="0"/>
-              <a:t>23.10.24</a:t>
+              <a:t>24.10.24</a:t>
             </a:fld>
             <a:endParaRPr lang="de-CH"/>
           </a:p>
@@ -1346,7 +1346,7 @@
           <a:p>
             <a:fld id="{9E9B238C-2335-4007-98C9-471C02CC43B6}" type="datetimeFigureOut">
               <a:rPr lang="de-CH" smtClean="0"/>
-              <a:t>23.10.24</a:t>
+              <a:t>24.10.24</a:t>
             </a:fld>
             <a:endParaRPr lang="de-CH"/>
           </a:p>
@@ -1546,7 +1546,7 @@
           <a:p>
             <a:fld id="{9E9B238C-2335-4007-98C9-471C02CC43B6}" type="datetimeFigureOut">
               <a:rPr lang="de-CH" smtClean="0"/>
-              <a:t>23.10.24</a:t>
+              <a:t>24.10.24</a:t>
             </a:fld>
             <a:endParaRPr lang="de-CH"/>
           </a:p>
@@ -1756,7 +1756,7 @@
           <a:p>
             <a:fld id="{9E9B238C-2335-4007-98C9-471C02CC43B6}" type="datetimeFigureOut">
               <a:rPr lang="de-CH" smtClean="0"/>
-              <a:t>23.10.24</a:t>
+              <a:t>24.10.24</a:t>
             </a:fld>
             <a:endParaRPr lang="de-CH"/>
           </a:p>
@@ -1956,7 +1956,7 @@
           <a:p>
             <a:fld id="{9E9B238C-2335-4007-98C9-471C02CC43B6}" type="datetimeFigureOut">
               <a:rPr lang="de-CH" smtClean="0"/>
-              <a:t>23.10.24</a:t>
+              <a:t>24.10.24</a:t>
             </a:fld>
             <a:endParaRPr lang="de-CH"/>
           </a:p>
@@ -2232,7 +2232,7 @@
           <a:p>
             <a:fld id="{9E9B238C-2335-4007-98C9-471C02CC43B6}" type="datetimeFigureOut">
               <a:rPr lang="de-CH" smtClean="0"/>
-              <a:t>23.10.24</a:t>
+              <a:t>24.10.24</a:t>
             </a:fld>
             <a:endParaRPr lang="de-CH"/>
           </a:p>
@@ -2500,7 +2500,7 @@
           <a:p>
             <a:fld id="{9E9B238C-2335-4007-98C9-471C02CC43B6}" type="datetimeFigureOut">
               <a:rPr lang="de-CH" smtClean="0"/>
-              <a:t>23.10.24</a:t>
+              <a:t>24.10.24</a:t>
             </a:fld>
             <a:endParaRPr lang="de-CH"/>
           </a:p>
@@ -2915,7 +2915,7 @@
           <a:p>
             <a:fld id="{9E9B238C-2335-4007-98C9-471C02CC43B6}" type="datetimeFigureOut">
               <a:rPr lang="de-CH" smtClean="0"/>
-              <a:t>23.10.24</a:t>
+              <a:t>24.10.24</a:t>
             </a:fld>
             <a:endParaRPr lang="de-CH"/>
           </a:p>
@@ -3057,7 +3057,7 @@
           <a:p>
             <a:fld id="{9E9B238C-2335-4007-98C9-471C02CC43B6}" type="datetimeFigureOut">
               <a:rPr lang="de-CH" smtClean="0"/>
-              <a:t>23.10.24</a:t>
+              <a:t>24.10.24</a:t>
             </a:fld>
             <a:endParaRPr lang="de-CH"/>
           </a:p>
@@ -3170,7 +3170,7 @@
           <a:p>
             <a:fld id="{9E9B238C-2335-4007-98C9-471C02CC43B6}" type="datetimeFigureOut">
               <a:rPr lang="de-CH" smtClean="0"/>
-              <a:t>23.10.24</a:t>
+              <a:t>24.10.24</a:t>
             </a:fld>
             <a:endParaRPr lang="de-CH"/>
           </a:p>
@@ -3483,7 +3483,7 @@
           <a:p>
             <a:fld id="{9E9B238C-2335-4007-98C9-471C02CC43B6}" type="datetimeFigureOut">
               <a:rPr lang="de-CH" smtClean="0"/>
-              <a:t>23.10.24</a:t>
+              <a:t>24.10.24</a:t>
             </a:fld>
             <a:endParaRPr lang="de-CH"/>
           </a:p>
@@ -3772,7 +3772,7 @@
           <a:p>
             <a:fld id="{9E9B238C-2335-4007-98C9-471C02CC43B6}" type="datetimeFigureOut">
               <a:rPr lang="de-CH" smtClean="0"/>
-              <a:t>23.10.24</a:t>
+              <a:t>24.10.24</a:t>
             </a:fld>
             <a:endParaRPr lang="de-CH"/>
           </a:p>
@@ -4015,7 +4015,7 @@
           <a:p>
             <a:fld id="{9E9B238C-2335-4007-98C9-471C02CC43B6}" type="datetimeFigureOut">
               <a:rPr lang="de-CH" smtClean="0"/>
-              <a:t>23.10.24</a:t>
+              <a:t>24.10.24</a:t>
             </a:fld>
             <a:endParaRPr lang="de-CH"/>
           </a:p>
@@ -5004,7 +5004,7 @@
         <p:spPr>
           <a:xfrm>
             <a:off x="639418" y="2506663"/>
-            <a:ext cx="6804992" cy="2005702"/>
+            <a:ext cx="8852452" cy="2005702"/>
           </a:xfrm>
         </p:spPr>
         <p:txBody>
@@ -5047,7 +5047,7 @@
                 </a:solidFill>
                 <a:effectLst/>
               </a:rPr>
-              <a:t>IANA assigned IE numbers for GTP fields are available.</a:t>
+              <a:t>IANA assigned IE numbers for GTP fields are available – IANA IE 505-510</a:t>
             </a:r>
             <a:endParaRPr lang="en-US" sz="2000" dirty="0"/>
           </a:p>

--- a/draft-ietf-opsawg-ipfix-gtpu-00.pptx
+++ b/draft-ietf-opsawg-ipfix-gtpu-00.pptx
@@ -5004,7 +5004,7 @@
         <p:spPr>
           <a:xfrm>
             <a:off x="639418" y="2506663"/>
-            <a:ext cx="8852452" cy="2005702"/>
+            <a:ext cx="7202556" cy="2005702"/>
           </a:xfrm>
         </p:spPr>
         <p:txBody>
@@ -5047,7 +5047,7 @@
                 </a:solidFill>
                 <a:effectLst/>
               </a:rPr>
-              <a:t>IANA assigned IE numbers for GTP fields are available – IANA IE 505-510</a:t>
+              <a:t>IANA assigned IE numbers for GTP fields are available; EI 505-510.</a:t>
             </a:r>
             <a:endParaRPr lang="en-US" sz="2000" dirty="0"/>
           </a:p>
@@ -5489,7 +5489,10 @@
               <a:rPr lang="en-US" sz="1700" b="1" dirty="0" err="1"/>
               <a:t>gtpuFlags</a:t>
             </a:r>
-            <a:endParaRPr lang="en-US" sz="1700" b="1" dirty="0"/>
+            <a:r>
+              <a:rPr lang="en-US" sz="1700" b="1" dirty="0"/>
+              <a:t> EI-505</a:t>
+            </a:r>
           </a:p>
           <a:p>
             <a:pPr marL="457200" lvl="1" indent="0">
@@ -5514,7 +5517,10 @@
               <a:rPr lang="en-US" sz="1700" b="1" dirty="0" err="1"/>
               <a:t>gtpuMsgType</a:t>
             </a:r>
-            <a:endParaRPr lang="en-US" sz="1700" b="1" dirty="0"/>
+            <a:r>
+              <a:rPr lang="en-US" sz="1700" b="1" dirty="0"/>
+              <a:t> EI-506</a:t>
+            </a:r>
           </a:p>
           <a:p>
             <a:pPr marL="457200" lvl="1" indent="0">
@@ -5550,7 +5556,10 @@
               <a:rPr lang="en-US" sz="1700" b="1" dirty="0" err="1"/>
               <a:t>gtpuTEid</a:t>
             </a:r>
-            <a:endParaRPr lang="en-US" sz="1700" b="1" dirty="0"/>
+            <a:r>
+              <a:rPr lang="en-US" sz="1700" b="1" dirty="0"/>
+              <a:t> EI-507</a:t>
+            </a:r>
           </a:p>
           <a:p>
             <a:pPr marL="457200" lvl="1" indent="0">
@@ -5574,7 +5583,10 @@
               <a:rPr lang="en-US" sz="1700" b="1" dirty="0" err="1"/>
               <a:t>gtpuSequenceNum</a:t>
             </a:r>
-            <a:endParaRPr lang="en-US" sz="1700" b="1" dirty="0"/>
+            <a:r>
+              <a:rPr lang="en-US" sz="1700" b="1" dirty="0"/>
+              <a:t> EI-508</a:t>
+            </a:r>
           </a:p>
           <a:p>
             <a:pPr marL="457200" lvl="1" indent="0">
@@ -6039,7 +6051,10 @@
               <a:rPr lang="en-US" sz="1700" b="1" dirty="0" err="1"/>
               <a:t>gtpuQFI</a:t>
             </a:r>
-            <a:endParaRPr lang="en-US" sz="1700" b="1" dirty="0"/>
+            <a:r>
+              <a:rPr lang="en-US" sz="1700" b="1" dirty="0"/>
+              <a:t> EI-509</a:t>
+            </a:r>
           </a:p>
           <a:p>
             <a:pPr marL="457200" lvl="1" indent="0">
@@ -6071,6 +6086,10 @@
             <a:r>
               <a:rPr lang="en-US" sz="1700" b="1" dirty="0" err="1"/>
               <a:t>gtpuPduType</a:t>
+            </a:r>
+            <a:r>
+              <a:rPr lang="en-US" sz="1700" b="1"/>
+              <a:t> EI-510</a:t>
             </a:r>
             <a:endParaRPr lang="en-US" sz="1700" b="1" dirty="0"/>
           </a:p>

--- a/draft-ietf-opsawg-ipfix-gtpu-00.pptx
+++ b/draft-ietf-opsawg-ipfix-gtpu-00.pptx
@@ -5,17 +5,14 @@
     <p:sldMasterId id="2147483648" r:id="rId1"/>
   </p:sldMasterIdLst>
   <p:notesMasterIdLst>
-    <p:notesMasterId r:id="rId10"/>
+    <p:notesMasterId r:id="rId7"/>
   </p:notesMasterIdLst>
   <p:sldIdLst>
     <p:sldId id="1041" r:id="rId2"/>
     <p:sldId id="1053" r:id="rId3"/>
-    <p:sldId id="1059" r:id="rId4"/>
-    <p:sldId id="1054" r:id="rId5"/>
-    <p:sldId id="1055" r:id="rId6"/>
-    <p:sldId id="1057" r:id="rId7"/>
-    <p:sldId id="1058" r:id="rId8"/>
-    <p:sldId id="1050" r:id="rId9"/>
+    <p:sldId id="1054" r:id="rId4"/>
+    <p:sldId id="1055" r:id="rId5"/>
+    <p:sldId id="1050" r:id="rId6"/>
   </p:sldIdLst>
   <p:sldSz cx="12192000" cy="6858000"/>
   <p:notesSz cx="6858000" cy="9144000"/>
@@ -929,7 +926,7 @@
           <a:p>
             <a:fld id="{E5E705E9-673F-4AC4-B29E-A7B26F3B8523}" type="datetimeFigureOut">
               <a:rPr lang="de-CH" smtClean="0"/>
-              <a:t>24.10.24</a:t>
+              <a:t>28.10.24</a:t>
             </a:fld>
             <a:endParaRPr lang="de-CH"/>
           </a:p>
@@ -1346,7 +1343,7 @@
           <a:p>
             <a:fld id="{9E9B238C-2335-4007-98C9-471C02CC43B6}" type="datetimeFigureOut">
               <a:rPr lang="de-CH" smtClean="0"/>
-              <a:t>24.10.24</a:t>
+              <a:t>28.10.24</a:t>
             </a:fld>
             <a:endParaRPr lang="de-CH"/>
           </a:p>
@@ -1546,7 +1543,7 @@
           <a:p>
             <a:fld id="{9E9B238C-2335-4007-98C9-471C02CC43B6}" type="datetimeFigureOut">
               <a:rPr lang="de-CH" smtClean="0"/>
-              <a:t>24.10.24</a:t>
+              <a:t>28.10.24</a:t>
             </a:fld>
             <a:endParaRPr lang="de-CH"/>
           </a:p>
@@ -1756,7 +1753,7 @@
           <a:p>
             <a:fld id="{9E9B238C-2335-4007-98C9-471C02CC43B6}" type="datetimeFigureOut">
               <a:rPr lang="de-CH" smtClean="0"/>
-              <a:t>24.10.24</a:t>
+              <a:t>28.10.24</a:t>
             </a:fld>
             <a:endParaRPr lang="de-CH"/>
           </a:p>
@@ -1956,7 +1953,7 @@
           <a:p>
             <a:fld id="{9E9B238C-2335-4007-98C9-471C02CC43B6}" type="datetimeFigureOut">
               <a:rPr lang="de-CH" smtClean="0"/>
-              <a:t>24.10.24</a:t>
+              <a:t>28.10.24</a:t>
             </a:fld>
             <a:endParaRPr lang="de-CH"/>
           </a:p>
@@ -2232,7 +2229,7 @@
           <a:p>
             <a:fld id="{9E9B238C-2335-4007-98C9-471C02CC43B6}" type="datetimeFigureOut">
               <a:rPr lang="de-CH" smtClean="0"/>
-              <a:t>24.10.24</a:t>
+              <a:t>28.10.24</a:t>
             </a:fld>
             <a:endParaRPr lang="de-CH"/>
           </a:p>
@@ -2500,7 +2497,7 @@
           <a:p>
             <a:fld id="{9E9B238C-2335-4007-98C9-471C02CC43B6}" type="datetimeFigureOut">
               <a:rPr lang="de-CH" smtClean="0"/>
-              <a:t>24.10.24</a:t>
+              <a:t>28.10.24</a:t>
             </a:fld>
             <a:endParaRPr lang="de-CH"/>
           </a:p>
@@ -2915,7 +2912,7 @@
           <a:p>
             <a:fld id="{9E9B238C-2335-4007-98C9-471C02CC43B6}" type="datetimeFigureOut">
               <a:rPr lang="de-CH" smtClean="0"/>
-              <a:t>24.10.24</a:t>
+              <a:t>28.10.24</a:t>
             </a:fld>
             <a:endParaRPr lang="de-CH"/>
           </a:p>
@@ -3057,7 +3054,7 @@
           <a:p>
             <a:fld id="{9E9B238C-2335-4007-98C9-471C02CC43B6}" type="datetimeFigureOut">
               <a:rPr lang="de-CH" smtClean="0"/>
-              <a:t>24.10.24</a:t>
+              <a:t>28.10.24</a:t>
             </a:fld>
             <a:endParaRPr lang="de-CH"/>
           </a:p>
@@ -3170,7 +3167,7 @@
           <a:p>
             <a:fld id="{9E9B238C-2335-4007-98C9-471C02CC43B6}" type="datetimeFigureOut">
               <a:rPr lang="de-CH" smtClean="0"/>
-              <a:t>24.10.24</a:t>
+              <a:t>28.10.24</a:t>
             </a:fld>
             <a:endParaRPr lang="de-CH"/>
           </a:p>
@@ -3483,7 +3480,7 @@
           <a:p>
             <a:fld id="{9E9B238C-2335-4007-98C9-471C02CC43B6}" type="datetimeFigureOut">
               <a:rPr lang="de-CH" smtClean="0"/>
-              <a:t>24.10.24</a:t>
+              <a:t>28.10.24</a:t>
             </a:fld>
             <a:endParaRPr lang="de-CH"/>
           </a:p>
@@ -3772,7 +3769,7 @@
           <a:p>
             <a:fld id="{9E9B238C-2335-4007-98C9-471C02CC43B6}" type="datetimeFigureOut">
               <a:rPr lang="de-CH" smtClean="0"/>
-              <a:t>24.10.24</a:t>
+              <a:t>28.10.24</a:t>
             </a:fld>
             <a:endParaRPr lang="de-CH"/>
           </a:p>
@@ -4015,7 +4012,7 @@
           <a:p>
             <a:fld id="{9E9B238C-2335-4007-98C9-471C02CC43B6}" type="datetimeFigureOut">
               <a:rPr lang="de-CH" smtClean="0"/>
-              <a:t>24.10.24</a:t>
+              <a:t>28.10.24</a:t>
             </a:fld>
             <a:endParaRPr lang="de-CH"/>
           </a:p>
@@ -5013,6 +5010,19 @@
           </a:bodyPr>
           <a:lstStyle/>
           <a:p>
+            <a:pPr marL="0" indent="0">
+              <a:buNone/>
+            </a:pPr>
+            <a:r>
+              <a:rPr lang="en-IN" sz="2000" b="1" dirty="0">
+                <a:solidFill>
+                  <a:srgbClr val="000000"/>
+                </a:solidFill>
+              </a:rPr>
+              <a:t>Highlights since IETF119</a:t>
+            </a:r>
+          </a:p>
+          <a:p>
             <a:r>
               <a:rPr lang="en-IN" sz="2000" dirty="0">
                 <a:solidFill>
@@ -5047,7 +5057,7 @@
                 </a:solidFill>
                 <a:effectLst/>
               </a:rPr>
-              <a:t>IANA assigned IE numbers for GTP fields are available; EI 505-510.</a:t>
+              <a:t>IANA assigned IE numbers for GTP fields are available; IE 505-510.</a:t>
             </a:r>
             <a:endParaRPr lang="en-US" sz="2000" dirty="0"/>
           </a:p>
@@ -5055,6 +5065,12 @@
             <a:r>
               <a:rPr lang="en-US" sz="2000" dirty="0"/>
               <a:t>Added a new section named ‘Operational Considerations’</a:t>
+            </a:r>
+          </a:p>
+          <a:p>
+            <a:r>
+              <a:rPr lang="en-US" sz="2000" dirty="0"/>
+              <a:t>Shared with DMM WG</a:t>
             </a:r>
           </a:p>
         </p:txBody>
@@ -5107,258 +5123,6 @@
 </file>
 
 <file path=ppt/slides/slide3.xml><?xml version="1.0" encoding="utf-8"?>
-<p:sld xmlns:a="http://schemas.openxmlformats.org/drawingml/2006/main" xmlns:r="http://schemas.openxmlformats.org/officeDocument/2006/relationships" xmlns:p="http://schemas.openxmlformats.org/presentationml/2006/main">
-  <p:cSld>
-    <p:spTree>
-      <p:nvGrpSpPr>
-        <p:cNvPr id="1" name="">
-          <a:extLst>
-            <a:ext uri="{FF2B5EF4-FFF2-40B4-BE49-F238E27FC236}">
-              <a16:creationId xmlns:a16="http://schemas.microsoft.com/office/drawing/2014/main" id="{9FC959B6-105F-B60F-13C5-EDB3956EF1C7}"/>
-            </a:ext>
-          </a:extLst>
-        </p:cNvPr>
-        <p:cNvGrpSpPr/>
-        <p:nvPr/>
-      </p:nvGrpSpPr>
-      <p:grpSpPr>
-        <a:xfrm>
-          <a:off x="0" y="0"/>
-          <a:ext cx="0" cy="0"/>
-          <a:chOff x="0" y="0"/>
-          <a:chExt cx="0" cy="0"/>
-        </a:xfrm>
-      </p:grpSpPr>
-      <p:pic>
-        <p:nvPicPr>
-          <p:cNvPr id="6" name="Picture 5" descr="A screenshot of a document&#10;&#10;Description automatically generated">
-            <a:extLst>
-              <a:ext uri="{FF2B5EF4-FFF2-40B4-BE49-F238E27FC236}">
-                <a16:creationId xmlns:a16="http://schemas.microsoft.com/office/drawing/2014/main" id="{5D52664D-05AE-76B8-6929-231659101305}"/>
-              </a:ext>
-            </a:extLst>
-          </p:cNvPr>
-          <p:cNvPicPr>
-            <a:picLocks noChangeAspect="1"/>
-          </p:cNvPicPr>
-          <p:nvPr/>
-        </p:nvPicPr>
-        <p:blipFill>
-          <a:blip r:embed="rId2">
-            <a:extLst>
-              <a:ext uri="{28A0092B-C50C-407E-A947-70E740481C1C}">
-                <a14:useLocalDpi xmlns:a14="http://schemas.microsoft.com/office/drawing/2010/main" val="0"/>
-              </a:ext>
-            </a:extLst>
-          </a:blip>
-          <a:stretch>
-            <a:fillRect/>
-          </a:stretch>
-        </p:blipFill>
-        <p:spPr>
-          <a:xfrm>
-            <a:off x="5899971" y="2311592"/>
-            <a:ext cx="5832073" cy="3502800"/>
-          </a:xfrm>
-          <a:prstGeom prst="rect">
-            <a:avLst/>
-          </a:prstGeom>
-        </p:spPr>
-      </p:pic>
-      <p:sp>
-        <p:nvSpPr>
-          <p:cNvPr id="11" name="Rounded Rectangle 10">
-            <a:extLst>
-              <a:ext uri="{FF2B5EF4-FFF2-40B4-BE49-F238E27FC236}">
-                <a16:creationId xmlns:a16="http://schemas.microsoft.com/office/drawing/2014/main" id="{1F47ED0D-B909-272E-0F73-E972DD53C1F1}"/>
-              </a:ext>
-            </a:extLst>
-          </p:cNvPr>
-          <p:cNvSpPr/>
-          <p:nvPr/>
-        </p:nvSpPr>
-        <p:spPr>
-          <a:xfrm>
-            <a:off x="7638220" y="5590761"/>
-            <a:ext cx="2380424" cy="223631"/>
-          </a:xfrm>
-          <a:prstGeom prst="roundRect">
-            <a:avLst/>
-          </a:prstGeom>
-          <a:noFill/>
-          <a:ln w="28575">
-            <a:solidFill>
-              <a:srgbClr val="FF0000"/>
-            </a:solidFill>
-          </a:ln>
-        </p:spPr>
-        <p:style>
-          <a:lnRef idx="2">
-            <a:schemeClr val="accent1">
-              <a:shade val="15000"/>
-            </a:schemeClr>
-          </a:lnRef>
-          <a:fillRef idx="1">
-            <a:schemeClr val="accent1"/>
-          </a:fillRef>
-          <a:effectRef idx="0">
-            <a:schemeClr val="accent1"/>
-          </a:effectRef>
-          <a:fontRef idx="minor">
-            <a:schemeClr val="lt1"/>
-          </a:fontRef>
-        </p:style>
-        <p:txBody>
-          <a:bodyPr rtlCol="0" anchor="ctr"/>
-          <a:lstStyle/>
-          <a:p>
-            <a:pPr algn="ctr"/>
-            <a:endParaRPr lang="en-US"/>
-          </a:p>
-        </p:txBody>
-      </p:sp>
-      <p:sp>
-        <p:nvSpPr>
-          <p:cNvPr id="2" name="Title 1">
-            <a:extLst>
-              <a:ext uri="{FF2B5EF4-FFF2-40B4-BE49-F238E27FC236}">
-                <a16:creationId xmlns:a16="http://schemas.microsoft.com/office/drawing/2014/main" id="{AE00951B-5DAF-7C58-7BF8-EE21782F0CBC}"/>
-              </a:ext>
-            </a:extLst>
-          </p:cNvPr>
-          <p:cNvSpPr>
-            <a:spLocks noGrp="1"/>
-          </p:cNvSpPr>
-          <p:nvPr>
-            <p:ph type="title"/>
-          </p:nvPr>
-        </p:nvSpPr>
-        <p:spPr/>
-        <p:txBody>
-          <a:bodyPr>
-            <a:normAutofit/>
-          </a:bodyPr>
-          <a:lstStyle/>
-          <a:p>
-            <a:r>
-              <a:rPr lang="en-US" sz="3600" b="1" dirty="0"/>
-              <a:t>GTP-U @ IPFIX</a:t>
-            </a:r>
-            <a:br>
-              <a:rPr lang="en-US" dirty="0"/>
-            </a:br>
-            <a:r>
-              <a:rPr lang="en-US" sz="3600" dirty="0">
-                <a:solidFill>
-                  <a:schemeClr val="bg2">
-                    <a:lumMod val="75000"/>
-                  </a:schemeClr>
-                </a:solidFill>
-              </a:rPr>
-              <a:t>Data-Plane visibility is missing in GTP</a:t>
-            </a:r>
-          </a:p>
-        </p:txBody>
-      </p:sp>
-      <p:sp>
-        <p:nvSpPr>
-          <p:cNvPr id="3" name="Content Placeholder 2">
-            <a:extLst>
-              <a:ext uri="{FF2B5EF4-FFF2-40B4-BE49-F238E27FC236}">
-                <a16:creationId xmlns:a16="http://schemas.microsoft.com/office/drawing/2014/main" id="{DBAA90DB-1FC7-AB36-2326-7AA1ED728AD1}"/>
-              </a:ext>
-            </a:extLst>
-          </p:cNvPr>
-          <p:cNvSpPr>
-            <a:spLocks noGrp="1"/>
-          </p:cNvSpPr>
-          <p:nvPr>
-            <p:ph idx="1"/>
-          </p:nvPr>
-        </p:nvSpPr>
-        <p:spPr>
-          <a:xfrm>
-            <a:off x="639418" y="2506662"/>
-            <a:ext cx="4591639" cy="2462903"/>
-          </a:xfrm>
-        </p:spPr>
-        <p:txBody>
-          <a:bodyPr>
-            <a:noAutofit/>
-          </a:bodyPr>
-          <a:lstStyle/>
-          <a:p>
-            <a:r>
-              <a:rPr lang="en-US" sz="1700" dirty="0"/>
-              <a:t>GTP </a:t>
-            </a:r>
-            <a:r>
-              <a:rPr lang="en-IN" sz="1700" dirty="0">
-                <a:solidFill>
-                  <a:srgbClr val="000000"/>
-                </a:solidFill>
-                <a:effectLst/>
-              </a:rPr>
-              <a:t>is the protocol used by network mobile operators for cellular networks.</a:t>
-            </a:r>
-            <a:endParaRPr lang="en-US" sz="1700" dirty="0"/>
-          </a:p>
-          <a:p>
-            <a:r>
-              <a:rPr lang="en-US" sz="1700" dirty="0"/>
-              <a:t>Data-Plane visibility is missing in GTP-U and so unable to identify the transport performance of PDU Sessions with specific QoS within a slice or within a group of slices.</a:t>
-            </a:r>
-          </a:p>
-        </p:txBody>
-      </p:sp>
-      <p:sp>
-        <p:nvSpPr>
-          <p:cNvPr id="16" name="Slide Number Placeholder 1">
-            <a:extLst>
-              <a:ext uri="{FF2B5EF4-FFF2-40B4-BE49-F238E27FC236}">
-                <a16:creationId xmlns:a16="http://schemas.microsoft.com/office/drawing/2014/main" id="{F1F6A257-6D04-520D-3F74-D077A1FE36E2}"/>
-              </a:ext>
-            </a:extLst>
-          </p:cNvPr>
-          <p:cNvSpPr>
-            <a:spLocks noGrp="1"/>
-          </p:cNvSpPr>
-          <p:nvPr>
-            <p:ph type="sldNum" sz="quarter" idx="12"/>
-          </p:nvPr>
-        </p:nvSpPr>
-        <p:spPr>
-          <a:xfrm>
-            <a:off x="11607800" y="6362700"/>
-            <a:ext cx="414338" cy="365125"/>
-          </a:xfrm>
-        </p:spPr>
-        <p:txBody>
-          <a:bodyPr/>
-          <a:lstStyle/>
-          <a:p>
-            <a:fld id="{FC4AC485-25DE-431E-B345-9C0A15BB7F8A}" type="slidenum">
-              <a:rPr lang="en-US" sz="2200" smtClean="0"/>
-              <a:t>3</a:t>
-            </a:fld>
-            <a:endParaRPr lang="en-US" sz="2200"/>
-          </a:p>
-        </p:txBody>
-      </p:sp>
-    </p:spTree>
-    <p:extLst>
-      <p:ext uri="{BB962C8B-B14F-4D97-AF65-F5344CB8AC3E}">
-        <p14:creationId xmlns:p14="http://schemas.microsoft.com/office/powerpoint/2010/main" val="3412415170"/>
-      </p:ext>
-    </p:extLst>
-  </p:cSld>
-  <p:clrMapOvr>
-    <a:masterClrMapping/>
-  </p:clrMapOvr>
-</p:sld>
-</file>
-
-<file path=ppt/slides/slide4.xml><?xml version="1.0" encoding="utf-8"?>
 <p:sld xmlns:a="http://schemas.openxmlformats.org/drawingml/2006/main" xmlns:r="http://schemas.openxmlformats.org/officeDocument/2006/relationships" xmlns:p="http://schemas.openxmlformats.org/presentationml/2006/main">
   <p:cSld>
     <p:spTree>
@@ -5491,7 +5255,7 @@
             </a:r>
             <a:r>
               <a:rPr lang="en-US" sz="1700" b="1" dirty="0"/>
-              <a:t> EI-505</a:t>
+              <a:t> IE-505</a:t>
             </a:r>
           </a:p>
           <a:p>
@@ -5519,7 +5283,7 @@
             </a:r>
             <a:r>
               <a:rPr lang="en-US" sz="1700" b="1" dirty="0"/>
-              <a:t> EI-506</a:t>
+              <a:t> IE-506</a:t>
             </a:r>
           </a:p>
           <a:p>
@@ -5558,7 +5322,7 @@
             </a:r>
             <a:r>
               <a:rPr lang="en-US" sz="1700" b="1" dirty="0"/>
-              <a:t> EI-507</a:t>
+              <a:t> IE-507</a:t>
             </a:r>
           </a:p>
           <a:p>
@@ -5585,7 +5349,7 @@
             </a:r>
             <a:r>
               <a:rPr lang="en-US" sz="1700" b="1" dirty="0"/>
-              <a:t> EI-508</a:t>
+              <a:t> IE-508</a:t>
             </a:r>
           </a:p>
           <a:p>
@@ -5663,7 +5427,7 @@
           <a:p>
             <a:fld id="{FC4AC485-25DE-431E-B345-9C0A15BB7F8A}" type="slidenum">
               <a:rPr lang="en-US" sz="2200" smtClean="0"/>
-              <a:t>4</a:t>
+              <a:t>3</a:t>
             </a:fld>
             <a:endParaRPr lang="en-US" sz="2200"/>
           </a:p>
@@ -5956,7 +5720,7 @@
 </p:sld>
 </file>
 
-<file path=ppt/slides/slide5.xml><?xml version="1.0" encoding="utf-8"?>
+<file path=ppt/slides/slide4.xml><?xml version="1.0" encoding="utf-8"?>
 <p:sld xmlns:a="http://schemas.openxmlformats.org/drawingml/2006/main" xmlns:r="http://schemas.openxmlformats.org/officeDocument/2006/relationships" xmlns:p="http://schemas.openxmlformats.org/presentationml/2006/main">
   <p:cSld>
     <p:spTree>
@@ -6053,7 +5817,7 @@
             </a:r>
             <a:r>
               <a:rPr lang="en-US" sz="1700" b="1" dirty="0"/>
-              <a:t> EI-509</a:t>
+              <a:t> IE-509</a:t>
             </a:r>
           </a:p>
           <a:p>
@@ -6088,10 +5852,9 @@
               <a:t>gtpuPduType</a:t>
             </a:r>
             <a:r>
-              <a:rPr lang="en-US" sz="1700" b="1"/>
-              <a:t> EI-510</a:t>
-            </a:r>
-            <a:endParaRPr lang="en-US" sz="1700" b="1" dirty="0"/>
+              <a:rPr lang="en-US" sz="1700" b="1" dirty="0"/>
+              <a:t> IE-510</a:t>
+            </a:r>
           </a:p>
           <a:p>
             <a:pPr marL="457200" lvl="1" indent="0">
@@ -6135,7 +5898,7 @@
           <a:p>
             <a:fld id="{FC4AC485-25DE-431E-B345-9C0A15BB7F8A}" type="slidenum">
               <a:rPr lang="en-US" sz="2200" smtClean="0"/>
-              <a:t>5</a:t>
+              <a:t>4</a:t>
             </a:fld>
             <a:endParaRPr lang="en-US" sz="2200" dirty="0"/>
           </a:p>
@@ -6383,7 +6146,7 @@
 </p:sld>
 </file>
 
-<file path=ppt/slides/slide6.xml><?xml version="1.0" encoding="utf-8"?>
+<file path=ppt/slides/slide5.xml><?xml version="1.0" encoding="utf-8"?>
 <p:sld xmlns:a="http://schemas.openxmlformats.org/drawingml/2006/main" xmlns:r="http://schemas.openxmlformats.org/officeDocument/2006/relationships" xmlns:p="http://schemas.openxmlformats.org/presentationml/2006/main">
   <p:cSld>
     <p:spTree>
@@ -6400,42 +6163,6 @@
           <a:chExt cx="0" cy="0"/>
         </a:xfrm>
       </p:grpSpPr>
-      <p:pic>
-        <p:nvPicPr>
-          <p:cNvPr id="4" name="Picture 3" descr="A screenshot of a computer&#10;&#10;Description automatically generated">
-            <a:extLst>
-              <a:ext uri="{FF2B5EF4-FFF2-40B4-BE49-F238E27FC236}">
-                <a16:creationId xmlns:a16="http://schemas.microsoft.com/office/drawing/2014/main" id="{13CEAA1B-A458-9AD2-1F23-EB25697E8BE7}"/>
-              </a:ext>
-            </a:extLst>
-          </p:cNvPr>
-          <p:cNvPicPr>
-            <a:picLocks noChangeAspect="1"/>
-          </p:cNvPicPr>
-          <p:nvPr/>
-        </p:nvPicPr>
-        <p:blipFill>
-          <a:blip r:embed="rId2">
-            <a:extLst>
-              <a:ext uri="{28A0092B-C50C-407E-A947-70E740481C1C}">
-                <a14:useLocalDpi xmlns:a14="http://schemas.microsoft.com/office/drawing/2010/main" val="0"/>
-              </a:ext>
-            </a:extLst>
-          </a:blip>
-          <a:stretch>
-            <a:fillRect/>
-          </a:stretch>
-        </p:blipFill>
-        <p:spPr>
-          <a:xfrm>
-            <a:off x="7568946" y="927635"/>
-            <a:ext cx="2316566" cy="5867255"/>
-          </a:xfrm>
-          <a:prstGeom prst="rect">
-            <a:avLst/>
-          </a:prstGeom>
-        </p:spPr>
-      </p:pic>
       <p:sp>
         <p:nvSpPr>
           <p:cNvPr id="2" name="Title 1">
@@ -6452,14 +6179,11 @@
             <p:ph type="title"/>
           </p:nvPr>
         </p:nvSpPr>
-        <p:spPr>
-          <a:xfrm>
-            <a:off x="271671" y="214559"/>
-            <a:ext cx="10515600" cy="1325563"/>
-          </a:xfrm>
-        </p:spPr>
-        <p:txBody>
-          <a:bodyPr/>
+        <p:spPr/>
+        <p:txBody>
+          <a:bodyPr>
+            <a:normAutofit/>
+          </a:bodyPr>
           <a:lstStyle/>
           <a:p>
             <a:r>
@@ -6468,10 +6192,10 @@
                   <a:srgbClr val="FFFF00"/>
                 </a:highlight>
               </a:rPr>
-              <a:t>GTP-U @ IPFIX – Cisco IOS-XR Implementation status</a:t>
+              <a:t>GTP-U @ IPFIX</a:t>
             </a:r>
             <a:br>
-              <a:rPr lang="en-US" dirty="0">
+              <a:rPr lang="en-US" sz="3600" dirty="0">
                 <a:highlight>
                   <a:srgbClr val="FFFF00"/>
                 </a:highlight>
@@ -6488,17 +6212,65 @@
                   <a:srgbClr val="FFFF00"/>
                 </a:highlight>
               </a:rPr>
-              <a:t>IPFIX Records exposed</a:t>
-            </a:r>
-          </a:p>
-        </p:txBody>
-      </p:sp>
-      <p:sp>
-        <p:nvSpPr>
-          <p:cNvPr id="16" name="Slide Number Placeholder 1">
-            <a:extLst>
-              <a:ext uri="{FF2B5EF4-FFF2-40B4-BE49-F238E27FC236}">
-                <a16:creationId xmlns:a16="http://schemas.microsoft.com/office/drawing/2014/main" id="{4D0044F8-1C12-4A59-883A-7B56B9370029}"/>
+              <a:t>Next Steps</a:t>
+            </a:r>
+          </a:p>
+        </p:txBody>
+      </p:sp>
+      <p:sp>
+        <p:nvSpPr>
+          <p:cNvPr id="3" name="Content Placeholder 2">
+            <a:extLst>
+              <a:ext uri="{FF2B5EF4-FFF2-40B4-BE49-F238E27FC236}">
+                <a16:creationId xmlns:a16="http://schemas.microsoft.com/office/drawing/2014/main" id="{29C0DFD4-432D-4B0C-93DF-790441DCF5B9}"/>
+              </a:ext>
+            </a:extLst>
+          </p:cNvPr>
+          <p:cNvSpPr>
+            <a:spLocks noGrp="1"/>
+          </p:cNvSpPr>
+          <p:nvPr>
+            <p:ph idx="1"/>
+          </p:nvPr>
+        </p:nvSpPr>
+        <p:spPr>
+          <a:xfrm>
+            <a:off x="3409332" y="3233639"/>
+            <a:ext cx="5373336" cy="504881"/>
+          </a:xfrm>
+        </p:spPr>
+        <p:txBody>
+          <a:bodyPr>
+            <a:normAutofit/>
+          </a:bodyPr>
+          <a:lstStyle/>
+          <a:p>
+            <a:pPr marL="0" indent="0" algn="ctr">
+              <a:buNone/>
+            </a:pPr>
+            <a:r>
+              <a:rPr lang="en-US" sz="2400" dirty="0"/>
+              <a:t>Request for comments and feedback</a:t>
+            </a:r>
+            <a:endParaRPr lang="en-US" sz="2400" i="0" u="none" strike="noStrike" dirty="0">
+              <a:solidFill>
+                <a:srgbClr val="212121"/>
+              </a:solidFill>
+              <a:effectLst/>
+            </a:endParaRPr>
+          </a:p>
+          <a:p>
+            <a:pPr algn="ctr"/>
+            <a:endParaRPr lang="en-US" sz="2400" dirty="0"/>
+          </a:p>
+        </p:txBody>
+      </p:sp>
+      <p:sp>
+        <p:nvSpPr>
+          <p:cNvPr id="6" name="Slide Number Placeholder 1">
+            <a:extLst>
+              <a:ext uri="{FF2B5EF4-FFF2-40B4-BE49-F238E27FC236}">
+                <a16:creationId xmlns:a16="http://schemas.microsoft.com/office/drawing/2014/main" id="{F0EC51CE-09A9-4E4B-B5C0-99570D63CA28}"/>
               </a:ext>
             </a:extLst>
           </p:cNvPr>
@@ -6521,7 +6293,7 @@
           <a:p>
             <a:fld id="{FC4AC485-25DE-431E-B345-9C0A15BB7F8A}" type="slidenum">
               <a:rPr lang="en-US" sz="2200" smtClean="0"/>
-              <a:t>6</a:t>
+              <a:t>5</a:t>
             </a:fld>
             <a:endParaRPr lang="en-US" sz="2200" dirty="0"/>
           </a:p>
@@ -6529,74 +6301,22 @@
       </p:sp>
       <p:sp>
         <p:nvSpPr>
-          <p:cNvPr id="8" name="Rectangle 7">
-            <a:extLst>
-              <a:ext uri="{FF2B5EF4-FFF2-40B4-BE49-F238E27FC236}">
-                <a16:creationId xmlns:a16="http://schemas.microsoft.com/office/drawing/2014/main" id="{58C3C2E6-8C17-9546-95B9-4903D2D99977}"/>
-              </a:ext>
-            </a:extLst>
-          </p:cNvPr>
-          <p:cNvSpPr/>
+          <p:cNvPr id="5" name="Content Placeholder 2">
+            <a:extLst>
+              <a:ext uri="{FF2B5EF4-FFF2-40B4-BE49-F238E27FC236}">
+                <a16:creationId xmlns:a16="http://schemas.microsoft.com/office/drawing/2014/main" id="{8093C351-84EE-0F42-686E-CFB68771F451}"/>
+              </a:ext>
+            </a:extLst>
+          </p:cNvPr>
+          <p:cNvSpPr txBox="1">
+            <a:spLocks/>
+          </p:cNvSpPr>
           <p:nvPr/>
         </p:nvSpPr>
         <p:spPr>
           <a:xfrm>
-            <a:off x="7921328" y="4527754"/>
-            <a:ext cx="1972301" cy="2077483"/>
-          </a:xfrm>
-          <a:prstGeom prst="rect">
-            <a:avLst/>
-          </a:prstGeom>
-          <a:noFill/>
-          <a:ln w="25400">
-            <a:solidFill>
-              <a:schemeClr val="accent6"/>
-            </a:solidFill>
-          </a:ln>
-        </p:spPr>
-        <p:style>
-          <a:lnRef idx="2">
-            <a:schemeClr val="accent1">
-              <a:shade val="50000"/>
-            </a:schemeClr>
-          </a:lnRef>
-          <a:fillRef idx="1">
-            <a:schemeClr val="accent1"/>
-          </a:fillRef>
-          <a:effectRef idx="0">
-            <a:schemeClr val="accent1"/>
-          </a:effectRef>
-          <a:fontRef idx="minor">
-            <a:schemeClr val="lt1"/>
-          </a:fontRef>
-        </p:style>
-        <p:txBody>
-          <a:bodyPr rtlCol="0" anchor="ctr"/>
-          <a:lstStyle/>
-          <a:p>
-            <a:pPr algn="ctr"/>
-            <a:endParaRPr lang="en-US" dirty="0"/>
-          </a:p>
-        </p:txBody>
-      </p:sp>
-      <p:sp>
-        <p:nvSpPr>
-          <p:cNvPr id="11" name="Content Placeholder 2">
-            <a:extLst>
-              <a:ext uri="{FF2B5EF4-FFF2-40B4-BE49-F238E27FC236}">
-                <a16:creationId xmlns:a16="http://schemas.microsoft.com/office/drawing/2014/main" id="{035FD09C-8FDF-1F82-2301-941FB08E7187}"/>
-              </a:ext>
-            </a:extLst>
-          </p:cNvPr>
-          <p:cNvSpPr txBox="1">
-            <a:spLocks/>
-          </p:cNvSpPr>
-          <p:nvPr/>
-        </p:nvSpPr>
-        <p:spPr>
-          <a:xfrm>
-            <a:off x="580688" y="1439593"/>
-            <a:ext cx="5713432" cy="4782565"/>
+            <a:off x="3409332" y="4575568"/>
+            <a:ext cx="5373336" cy="504881"/>
           </a:xfrm>
           <a:prstGeom prst="rect">
             <a:avLst/>
@@ -6604,7 +6324,7 @@
         </p:spPr>
         <p:txBody>
           <a:bodyPr vert="horz" lIns="91440" tIns="45720" rIns="91440" bIns="45720" rtlCol="0">
-            <a:noAutofit/>
+            <a:normAutofit/>
           </a:bodyPr>
           <a:lstStyle>
             <a:lvl1pPr marL="228600" indent="-228600" algn="l" defTabSz="914400" rtl="0" eaLnBrk="1" latinLnBrk="0" hangingPunct="1">
@@ -6771,1417 +6491,22 @@
             </a:lvl9pPr>
           </a:lstStyle>
           <a:p>
-            <a:pPr marL="0" indent="0">
-              <a:spcBef>
-                <a:spcPts val="600"/>
-              </a:spcBef>
+            <a:pPr marL="0" indent="0" algn="ctr">
+              <a:buFont typeface="Arial" panose="020B0604020202020204" pitchFamily="34" charset="0"/>
               <a:buNone/>
             </a:pPr>
             <a:r>
-              <a:rPr lang="en-US" sz="1200" b="1" dirty="0"/>
-              <a:t>1. </a:t>
-            </a:r>
-            <a:r>
-              <a:rPr lang="en-US" sz="1200" b="1" dirty="0" err="1"/>
-              <a:t>gtpuFlags</a:t>
-            </a:r>
-            <a:endParaRPr lang="en-US" sz="1200" b="1" dirty="0"/>
-          </a:p>
-          <a:p>
-            <a:pPr marL="457200" lvl="1" indent="0">
-              <a:spcBef>
-                <a:spcPts val="600"/>
-              </a:spcBef>
-              <a:buNone/>
-            </a:pPr>
-            <a:r>
-              <a:rPr lang="en-US" sz="1200" dirty="0"/>
-              <a:t>8-bit flags field defined in the GTP-U which indicates the version of GTP-U protocol,  protocol type and presence of extension header, sequence number and N-PDU number in the GTP-U header.</a:t>
-            </a:r>
-            <a:endParaRPr lang="en-US" sz="1200" b="1" dirty="0"/>
-          </a:p>
-          <a:p>
-            <a:pPr marL="0" indent="0">
-              <a:spcBef>
-                <a:spcPts val="600"/>
-              </a:spcBef>
-              <a:buNone/>
-            </a:pPr>
-            <a:r>
-              <a:rPr lang="en-US" sz="1200" b="1" dirty="0"/>
-              <a:t>2. </a:t>
-            </a:r>
-            <a:r>
-              <a:rPr lang="en-US" sz="1200" b="1" dirty="0" err="1"/>
-              <a:t>gtpuMsgType</a:t>
-            </a:r>
-            <a:endParaRPr lang="en-US" sz="1200" b="1" dirty="0"/>
-          </a:p>
-          <a:p>
-            <a:pPr marL="457200" lvl="1" indent="0">
-              <a:spcBef>
-                <a:spcPts val="600"/>
-              </a:spcBef>
-              <a:buNone/>
-            </a:pPr>
-            <a:r>
-              <a:rPr lang="en-US" sz="1200" dirty="0"/>
-              <a:t>8-bit message type field defined in the GTP-U which indicates the type of GTP-U message.</a:t>
-            </a:r>
-          </a:p>
-          <a:p>
-            <a:pPr marL="0" indent="0">
-              <a:spcBef>
-                <a:spcPts val="600"/>
-              </a:spcBef>
-              <a:buNone/>
-            </a:pPr>
-            <a:r>
-              <a:rPr lang="en-US" sz="1200" b="1" dirty="0"/>
-              <a:t>3. </a:t>
-            </a:r>
-            <a:r>
-              <a:rPr lang="en-US" sz="1200" b="1" dirty="0" err="1"/>
-              <a:t>gtpuTEid</a:t>
-            </a:r>
-            <a:endParaRPr lang="en-US" sz="1200" b="1" dirty="0"/>
-          </a:p>
-          <a:p>
-            <a:pPr marL="457200" lvl="1" indent="0">
-              <a:spcBef>
-                <a:spcPts val="600"/>
-              </a:spcBef>
-              <a:buNone/>
-            </a:pPr>
-            <a:r>
-              <a:rPr lang="en-US" sz="1200" dirty="0"/>
-              <a:t>32-bit tunnel endpoint identifier field defined in GTP-U which unambiguously identifies a tunnel endpoint in the receiving GTP-U protocol entity for a given UDP/IP endpoint..</a:t>
-            </a:r>
-          </a:p>
-          <a:p>
-            <a:pPr marL="0" indent="0">
-              <a:spcBef>
-                <a:spcPts val="600"/>
-              </a:spcBef>
-              <a:buNone/>
-            </a:pPr>
-            <a:r>
-              <a:rPr lang="en-US" sz="1200" b="1" dirty="0"/>
-              <a:t>4. </a:t>
-            </a:r>
-            <a:r>
-              <a:rPr lang="en-US" sz="1200" b="1" dirty="0" err="1"/>
-              <a:t>gtpuSequenceNum</a:t>
-            </a:r>
-            <a:endParaRPr lang="en-US" sz="1200" b="1" dirty="0"/>
-          </a:p>
-          <a:p>
-            <a:pPr marL="457200" lvl="1" indent="0">
-              <a:spcBef>
-                <a:spcPts val="600"/>
-              </a:spcBef>
-              <a:buNone/>
-            </a:pPr>
-            <a:r>
-              <a:rPr lang="en-US" sz="1200" dirty="0"/>
-              <a:t>16-bit sequence number field defined in the GTP-U. </a:t>
-            </a:r>
-            <a:r>
-              <a:rPr lang="en-IN" sz="1200" dirty="0">
-                <a:solidFill>
-                  <a:srgbClr val="000000"/>
-                </a:solidFill>
-              </a:rPr>
-              <a:t>This field is interpreted based on the corresponding flag value from </a:t>
-            </a:r>
-            <a:r>
-              <a:rPr lang="en-IN" sz="1200" dirty="0" err="1">
-                <a:solidFill>
-                  <a:srgbClr val="000000"/>
-                </a:solidFill>
-              </a:rPr>
-              <a:t>gtpuFlags</a:t>
-            </a:r>
-            <a:endParaRPr lang="en-IN" sz="1200" dirty="0">
+              <a:rPr lang="en-US" sz="2400" dirty="0"/>
+              <a:t>Thank you</a:t>
+            </a:r>
+            <a:endParaRPr lang="en-US" sz="2400" dirty="0">
               <a:solidFill>
-                <a:srgbClr val="000000"/>
+                <a:srgbClr val="212121"/>
               </a:solidFill>
             </a:endParaRPr>
           </a:p>
           <a:p>
-            <a:pPr marL="0" lvl="1" indent="0">
-              <a:spcBef>
-                <a:spcPts val="600"/>
-              </a:spcBef>
-              <a:buNone/>
-            </a:pPr>
-            <a:r>
-              <a:rPr lang="en-US" sz="1200" b="1" dirty="0"/>
-              <a:t>5. </a:t>
-            </a:r>
-            <a:r>
-              <a:rPr lang="en-US" sz="1200" b="1" dirty="0" err="1"/>
-              <a:t>gtpuQFI</a:t>
-            </a:r>
-            <a:endParaRPr lang="en-US" sz="1200" b="1" dirty="0"/>
-          </a:p>
-          <a:p>
-            <a:pPr marL="457200" lvl="1" indent="0">
-              <a:spcBef>
-                <a:spcPts val="600"/>
-              </a:spcBef>
-              <a:buNone/>
-            </a:pPr>
-            <a:r>
-              <a:rPr lang="en-US" sz="1200" dirty="0"/>
-              <a:t>8-bit QoS flow identifier field defined in PDU Session Container extension header of GTP-U.  This is defined in section 5.5.3 of PDU session spec [TS.38415].  This is used to determine the QoS flow and QoS profile which are associated with the received packet</a:t>
-            </a:r>
-          </a:p>
-          <a:p>
-            <a:pPr marL="0" indent="0">
-              <a:spcBef>
-                <a:spcPts val="600"/>
-              </a:spcBef>
-              <a:buNone/>
-            </a:pPr>
-            <a:r>
-              <a:rPr lang="en-US" sz="1200" b="1" dirty="0"/>
-              <a:t>6. </a:t>
-            </a:r>
-            <a:r>
-              <a:rPr lang="en-US" sz="1200" b="1" dirty="0" err="1"/>
-              <a:t>gtpuPduType</a:t>
-            </a:r>
-            <a:endParaRPr lang="en-US" sz="1200" b="1" dirty="0"/>
-          </a:p>
-          <a:p>
-            <a:pPr marL="457200" lvl="1" indent="0">
-              <a:spcBef>
-                <a:spcPts val="600"/>
-              </a:spcBef>
-              <a:buNone/>
-            </a:pPr>
-            <a:r>
-              <a:rPr lang="en-US" sz="1200" dirty="0"/>
-              <a:t>8-bit PDU type field defined in PDU Session Container extension header of GTP-U.  This is defined in section 5.5.3 of PDU session spec [TS.38415].  This field indicates the structure of the PDU session UP frame</a:t>
-            </a:r>
-            <a:endParaRPr lang="en-IN" sz="1200" dirty="0">
-              <a:solidFill>
-                <a:srgbClr val="000000"/>
-              </a:solidFill>
-            </a:endParaRPr>
-          </a:p>
-          <a:p>
-            <a:pPr marL="457200" lvl="1" indent="0">
-              <a:spcBef>
-                <a:spcPts val="600"/>
-              </a:spcBef>
-              <a:buFont typeface="Arial" panose="020B0604020202020204" pitchFamily="34" charset="0"/>
-              <a:buNone/>
-            </a:pPr>
-            <a:endParaRPr lang="en-US" sz="1200" dirty="0"/>
-          </a:p>
-        </p:txBody>
-      </p:sp>
-      <p:sp>
-        <p:nvSpPr>
-          <p:cNvPr id="7" name="Oval 6">
-            <a:extLst>
-              <a:ext uri="{FF2B5EF4-FFF2-40B4-BE49-F238E27FC236}">
-                <a16:creationId xmlns:a16="http://schemas.microsoft.com/office/drawing/2014/main" id="{170C4DA0-F7DD-E32B-5B27-3950A4DAC014}"/>
-              </a:ext>
-            </a:extLst>
-          </p:cNvPr>
-          <p:cNvSpPr/>
-          <p:nvPr/>
-        </p:nvSpPr>
-        <p:spPr>
-          <a:xfrm>
-            <a:off x="9893629" y="4621431"/>
-            <a:ext cx="144670" cy="208926"/>
-          </a:xfrm>
-          <a:prstGeom prst="ellipse">
-            <a:avLst/>
-          </a:prstGeom>
-          <a:solidFill>
-            <a:schemeClr val="accent6">
-              <a:lumMod val="20000"/>
-              <a:lumOff val="80000"/>
-            </a:schemeClr>
-          </a:solidFill>
-          <a:ln w="22225">
-            <a:solidFill>
-              <a:schemeClr val="accent6"/>
-            </a:solidFill>
-          </a:ln>
-        </p:spPr>
-        <p:style>
-          <a:lnRef idx="2">
-            <a:schemeClr val="accent1">
-              <a:shade val="50000"/>
-            </a:schemeClr>
-          </a:lnRef>
-          <a:fillRef idx="1">
-            <a:schemeClr val="accent1"/>
-          </a:fillRef>
-          <a:effectRef idx="0">
-            <a:schemeClr val="accent1"/>
-          </a:effectRef>
-          <a:fontRef idx="minor">
-            <a:schemeClr val="lt1"/>
-          </a:fontRef>
-        </p:style>
-        <p:txBody>
-          <a:bodyPr rtlCol="0" anchor="ctr"/>
-          <a:lstStyle/>
-          <a:p>
-            <a:pPr algn="ctr"/>
-            <a:r>
-              <a:rPr lang="de-CH" sz="1100" dirty="0">
-                <a:solidFill>
-                  <a:schemeClr val="accent6"/>
-                </a:solidFill>
-              </a:rPr>
-              <a:t>1</a:t>
-            </a:r>
-          </a:p>
-        </p:txBody>
-      </p:sp>
-      <p:sp>
-        <p:nvSpPr>
-          <p:cNvPr id="9" name="Oval 8">
-            <a:extLst>
-              <a:ext uri="{FF2B5EF4-FFF2-40B4-BE49-F238E27FC236}">
-                <a16:creationId xmlns:a16="http://schemas.microsoft.com/office/drawing/2014/main" id="{F140B231-EC3B-4692-3D79-2387A9A2602A}"/>
-              </a:ext>
-            </a:extLst>
-          </p:cNvPr>
-          <p:cNvSpPr/>
-          <p:nvPr/>
-        </p:nvSpPr>
-        <p:spPr>
-          <a:xfrm>
-            <a:off x="9893629" y="4964049"/>
-            <a:ext cx="144670" cy="208926"/>
-          </a:xfrm>
-          <a:prstGeom prst="ellipse">
-            <a:avLst/>
-          </a:prstGeom>
-          <a:solidFill>
-            <a:schemeClr val="accent6">
-              <a:lumMod val="20000"/>
-              <a:lumOff val="80000"/>
-            </a:schemeClr>
-          </a:solidFill>
-          <a:ln w="22225">
-            <a:solidFill>
-              <a:schemeClr val="accent6"/>
-            </a:solidFill>
-          </a:ln>
-        </p:spPr>
-        <p:style>
-          <a:lnRef idx="2">
-            <a:schemeClr val="accent1">
-              <a:shade val="50000"/>
-            </a:schemeClr>
-          </a:lnRef>
-          <a:fillRef idx="1">
-            <a:schemeClr val="accent1"/>
-          </a:fillRef>
-          <a:effectRef idx="0">
-            <a:schemeClr val="accent1"/>
-          </a:effectRef>
-          <a:fontRef idx="minor">
-            <a:schemeClr val="lt1"/>
-          </a:fontRef>
-        </p:style>
-        <p:txBody>
-          <a:bodyPr rtlCol="0" anchor="ctr"/>
-          <a:lstStyle/>
-          <a:p>
-            <a:pPr algn="ctr"/>
-            <a:r>
-              <a:rPr lang="de-CH" sz="1100" dirty="0">
-                <a:solidFill>
-                  <a:schemeClr val="accent6"/>
-                </a:solidFill>
-              </a:rPr>
-              <a:t>2</a:t>
-            </a:r>
-          </a:p>
-        </p:txBody>
-      </p:sp>
-      <p:sp>
-        <p:nvSpPr>
-          <p:cNvPr id="12" name="Oval 11">
-            <a:extLst>
-              <a:ext uri="{FF2B5EF4-FFF2-40B4-BE49-F238E27FC236}">
-                <a16:creationId xmlns:a16="http://schemas.microsoft.com/office/drawing/2014/main" id="{5496EDB2-676E-A734-B431-69044F634EF0}"/>
-              </a:ext>
-            </a:extLst>
-          </p:cNvPr>
-          <p:cNvSpPr/>
-          <p:nvPr/>
-        </p:nvSpPr>
-        <p:spPr>
-          <a:xfrm>
-            <a:off x="9899924" y="5275332"/>
-            <a:ext cx="144670" cy="208926"/>
-          </a:xfrm>
-          <a:prstGeom prst="ellipse">
-            <a:avLst/>
-          </a:prstGeom>
-          <a:solidFill>
-            <a:schemeClr val="accent6">
-              <a:lumMod val="20000"/>
-              <a:lumOff val="80000"/>
-            </a:schemeClr>
-          </a:solidFill>
-          <a:ln w="22225">
-            <a:solidFill>
-              <a:schemeClr val="accent6"/>
-            </a:solidFill>
-          </a:ln>
-        </p:spPr>
-        <p:style>
-          <a:lnRef idx="2">
-            <a:schemeClr val="accent1">
-              <a:shade val="50000"/>
-            </a:schemeClr>
-          </a:lnRef>
-          <a:fillRef idx="1">
-            <a:schemeClr val="accent1"/>
-          </a:fillRef>
-          <a:effectRef idx="0">
-            <a:schemeClr val="accent1"/>
-          </a:effectRef>
-          <a:fontRef idx="minor">
-            <a:schemeClr val="lt1"/>
-          </a:fontRef>
-        </p:style>
-        <p:txBody>
-          <a:bodyPr rtlCol="0" anchor="ctr"/>
-          <a:lstStyle/>
-          <a:p>
-            <a:pPr algn="ctr"/>
-            <a:r>
-              <a:rPr lang="de-CH" sz="1100" dirty="0">
-                <a:solidFill>
-                  <a:schemeClr val="accent6"/>
-                </a:solidFill>
-              </a:rPr>
-              <a:t>3</a:t>
-            </a:r>
-          </a:p>
-        </p:txBody>
-      </p:sp>
-      <p:sp>
-        <p:nvSpPr>
-          <p:cNvPr id="13" name="Oval 12">
-            <a:extLst>
-              <a:ext uri="{FF2B5EF4-FFF2-40B4-BE49-F238E27FC236}">
-                <a16:creationId xmlns:a16="http://schemas.microsoft.com/office/drawing/2014/main" id="{3195C79F-33C7-3BCF-7A4B-CF0CE8B15175}"/>
-              </a:ext>
-            </a:extLst>
-          </p:cNvPr>
-          <p:cNvSpPr/>
-          <p:nvPr/>
-        </p:nvSpPr>
-        <p:spPr>
-          <a:xfrm>
-            <a:off x="9903345" y="5643496"/>
-            <a:ext cx="144670" cy="208926"/>
-          </a:xfrm>
-          <a:prstGeom prst="ellipse">
-            <a:avLst/>
-          </a:prstGeom>
-          <a:solidFill>
-            <a:schemeClr val="accent6">
-              <a:lumMod val="20000"/>
-              <a:lumOff val="80000"/>
-            </a:schemeClr>
-          </a:solidFill>
-          <a:ln w="22225">
-            <a:solidFill>
-              <a:schemeClr val="accent6"/>
-            </a:solidFill>
-          </a:ln>
-        </p:spPr>
-        <p:style>
-          <a:lnRef idx="2">
-            <a:schemeClr val="accent1">
-              <a:shade val="50000"/>
-            </a:schemeClr>
-          </a:lnRef>
-          <a:fillRef idx="1">
-            <a:schemeClr val="accent1"/>
-          </a:fillRef>
-          <a:effectRef idx="0">
-            <a:schemeClr val="accent1"/>
-          </a:effectRef>
-          <a:fontRef idx="minor">
-            <a:schemeClr val="lt1"/>
-          </a:fontRef>
-        </p:style>
-        <p:txBody>
-          <a:bodyPr rtlCol="0" anchor="ctr"/>
-          <a:lstStyle/>
-          <a:p>
-            <a:pPr algn="ctr"/>
-            <a:r>
-              <a:rPr lang="de-CH" sz="1100" dirty="0">
-                <a:solidFill>
-                  <a:schemeClr val="accent6"/>
-                </a:solidFill>
-              </a:rPr>
-              <a:t>4</a:t>
-            </a:r>
-          </a:p>
-        </p:txBody>
-      </p:sp>
-      <p:sp>
-        <p:nvSpPr>
-          <p:cNvPr id="14" name="Oval 13">
-            <a:extLst>
-              <a:ext uri="{FF2B5EF4-FFF2-40B4-BE49-F238E27FC236}">
-                <a16:creationId xmlns:a16="http://schemas.microsoft.com/office/drawing/2014/main" id="{A5A3AE8E-98D4-ADA0-7B43-5D8E6F9C2272}"/>
-              </a:ext>
-            </a:extLst>
-          </p:cNvPr>
-          <p:cNvSpPr/>
-          <p:nvPr/>
-        </p:nvSpPr>
-        <p:spPr>
-          <a:xfrm>
-            <a:off x="9909864" y="6008156"/>
-            <a:ext cx="144670" cy="208926"/>
-          </a:xfrm>
-          <a:prstGeom prst="ellipse">
-            <a:avLst/>
-          </a:prstGeom>
-          <a:solidFill>
-            <a:schemeClr val="accent6">
-              <a:lumMod val="20000"/>
-              <a:lumOff val="80000"/>
-            </a:schemeClr>
-          </a:solidFill>
-          <a:ln w="22225">
-            <a:solidFill>
-              <a:schemeClr val="accent6"/>
-            </a:solidFill>
-          </a:ln>
-        </p:spPr>
-        <p:style>
-          <a:lnRef idx="2">
-            <a:schemeClr val="accent1">
-              <a:shade val="50000"/>
-            </a:schemeClr>
-          </a:lnRef>
-          <a:fillRef idx="1">
-            <a:schemeClr val="accent1"/>
-          </a:fillRef>
-          <a:effectRef idx="0">
-            <a:schemeClr val="accent1"/>
-          </a:effectRef>
-          <a:fontRef idx="minor">
-            <a:schemeClr val="lt1"/>
-          </a:fontRef>
-        </p:style>
-        <p:txBody>
-          <a:bodyPr rtlCol="0" anchor="ctr"/>
-          <a:lstStyle/>
-          <a:p>
-            <a:pPr algn="ctr"/>
-            <a:r>
-              <a:rPr lang="de-CH" sz="1100" dirty="0">
-                <a:solidFill>
-                  <a:schemeClr val="accent6"/>
-                </a:solidFill>
-              </a:rPr>
-              <a:t>5</a:t>
-            </a:r>
-          </a:p>
-        </p:txBody>
-      </p:sp>
-      <p:sp>
-        <p:nvSpPr>
-          <p:cNvPr id="15" name="Oval 14">
-            <a:extLst>
-              <a:ext uri="{FF2B5EF4-FFF2-40B4-BE49-F238E27FC236}">
-                <a16:creationId xmlns:a16="http://schemas.microsoft.com/office/drawing/2014/main" id="{4244FCCE-A8C1-E990-A86A-315EB4391D2B}"/>
-              </a:ext>
-            </a:extLst>
-          </p:cNvPr>
-          <p:cNvSpPr/>
-          <p:nvPr/>
-        </p:nvSpPr>
-        <p:spPr>
-          <a:xfrm>
-            <a:off x="9909864" y="6358694"/>
-            <a:ext cx="144670" cy="208926"/>
-          </a:xfrm>
-          <a:prstGeom prst="ellipse">
-            <a:avLst/>
-          </a:prstGeom>
-          <a:solidFill>
-            <a:schemeClr val="accent6">
-              <a:lumMod val="20000"/>
-              <a:lumOff val="80000"/>
-            </a:schemeClr>
-          </a:solidFill>
-          <a:ln w="22225">
-            <a:solidFill>
-              <a:schemeClr val="accent6"/>
-            </a:solidFill>
-          </a:ln>
-        </p:spPr>
-        <p:style>
-          <a:lnRef idx="2">
-            <a:schemeClr val="accent1">
-              <a:shade val="50000"/>
-            </a:schemeClr>
-          </a:lnRef>
-          <a:fillRef idx="1">
-            <a:schemeClr val="accent1"/>
-          </a:fillRef>
-          <a:effectRef idx="0">
-            <a:schemeClr val="accent1"/>
-          </a:effectRef>
-          <a:fontRef idx="minor">
-            <a:schemeClr val="lt1"/>
-          </a:fontRef>
-        </p:style>
-        <p:txBody>
-          <a:bodyPr rtlCol="0" anchor="ctr"/>
-          <a:lstStyle/>
-          <a:p>
-            <a:pPr algn="ctr"/>
-            <a:r>
-              <a:rPr lang="de-CH" sz="1100" dirty="0">
-                <a:solidFill>
-                  <a:schemeClr val="accent6"/>
-                </a:solidFill>
-              </a:rPr>
-              <a:t>6</a:t>
-            </a:r>
-          </a:p>
-        </p:txBody>
-      </p:sp>
-    </p:spTree>
-    <p:extLst>
-      <p:ext uri="{BB962C8B-B14F-4D97-AF65-F5344CB8AC3E}">
-        <p14:creationId xmlns:p14="http://schemas.microsoft.com/office/powerpoint/2010/main" val="3951371511"/>
-      </p:ext>
-    </p:extLst>
-  </p:cSld>
-  <p:clrMapOvr>
-    <a:masterClrMapping/>
-  </p:clrMapOvr>
-</p:sld>
-</file>
-
-<file path=ppt/slides/slide7.xml><?xml version="1.0" encoding="utf-8"?>
-<p:sld xmlns:a="http://schemas.openxmlformats.org/drawingml/2006/main" xmlns:r="http://schemas.openxmlformats.org/officeDocument/2006/relationships" xmlns:p="http://schemas.openxmlformats.org/presentationml/2006/main">
-  <p:cSld>
-    <p:spTree>
-      <p:nvGrpSpPr>
-        <p:cNvPr id="1" name="">
-          <a:extLst>
-            <a:ext uri="{FF2B5EF4-FFF2-40B4-BE49-F238E27FC236}">
-              <a16:creationId xmlns:a16="http://schemas.microsoft.com/office/drawing/2014/main" id="{19E11835-CBDB-21E7-FAF9-4FE675D25266}"/>
-            </a:ext>
-          </a:extLst>
-        </p:cNvPr>
-        <p:cNvGrpSpPr/>
-        <p:nvPr/>
-      </p:nvGrpSpPr>
-      <p:grpSpPr>
-        <a:xfrm>
-          <a:off x="0" y="0"/>
-          <a:ext cx="0" cy="0"/>
-          <a:chOff x="0" y="0"/>
-          <a:chExt cx="0" cy="0"/>
-        </a:xfrm>
-      </p:grpSpPr>
-      <p:sp>
-        <p:nvSpPr>
-          <p:cNvPr id="2" name="Title 1">
-            <a:extLst>
-              <a:ext uri="{FF2B5EF4-FFF2-40B4-BE49-F238E27FC236}">
-                <a16:creationId xmlns:a16="http://schemas.microsoft.com/office/drawing/2014/main" id="{D00ACEF3-7865-6F4D-AB77-EFB351F20FB9}"/>
-              </a:ext>
-            </a:extLst>
-          </p:cNvPr>
-          <p:cNvSpPr>
-            <a:spLocks noGrp="1"/>
-          </p:cNvSpPr>
-          <p:nvPr>
-            <p:ph type="title"/>
-          </p:nvPr>
-        </p:nvSpPr>
-        <p:spPr>
-          <a:xfrm>
-            <a:off x="291549" y="268356"/>
-            <a:ext cx="10515600" cy="1325563"/>
-          </a:xfrm>
-        </p:spPr>
-        <p:txBody>
-          <a:bodyPr/>
-          <a:lstStyle/>
-          <a:p>
-            <a:r>
-              <a:rPr lang="en-US" sz="3600" b="1" dirty="0">
-                <a:highlight>
-                  <a:srgbClr val="FFFF00"/>
-                </a:highlight>
-              </a:rPr>
-              <a:t>GTP-U @ IPFIX</a:t>
-            </a:r>
-            <a:br>
-              <a:rPr lang="en-US" dirty="0">
-                <a:highlight>
-                  <a:srgbClr val="FFFF00"/>
-                </a:highlight>
-              </a:rPr>
-            </a:br>
-            <a:r>
-              <a:rPr lang="en-US" sz="3600" dirty="0">
-                <a:solidFill>
-                  <a:schemeClr val="bg2">
-                    <a:lumMod val="75000"/>
-                  </a:schemeClr>
-                </a:solidFill>
-                <a:highlight>
-                  <a:srgbClr val="FFFF00"/>
-                </a:highlight>
-              </a:rPr>
-              <a:t>IANA assigned IE numbers</a:t>
-            </a:r>
-          </a:p>
-        </p:txBody>
-      </p:sp>
-      <p:sp>
-        <p:nvSpPr>
-          <p:cNvPr id="16" name="Slide Number Placeholder 1">
-            <a:extLst>
-              <a:ext uri="{FF2B5EF4-FFF2-40B4-BE49-F238E27FC236}">
-                <a16:creationId xmlns:a16="http://schemas.microsoft.com/office/drawing/2014/main" id="{4EB328A2-7475-B6EA-06EF-4A34D996E696}"/>
-              </a:ext>
-            </a:extLst>
-          </p:cNvPr>
-          <p:cNvSpPr>
-            <a:spLocks noGrp="1"/>
-          </p:cNvSpPr>
-          <p:nvPr>
-            <p:ph type="sldNum" sz="quarter" idx="12"/>
-          </p:nvPr>
-        </p:nvSpPr>
-        <p:spPr>
-          <a:xfrm>
-            <a:off x="11607800" y="6362700"/>
-            <a:ext cx="414338" cy="365125"/>
-          </a:xfrm>
-        </p:spPr>
-        <p:txBody>
-          <a:bodyPr/>
-          <a:lstStyle/>
-          <a:p>
-            <a:fld id="{FC4AC485-25DE-431E-B345-9C0A15BB7F8A}" type="slidenum">
-              <a:rPr lang="en-US" sz="2200" smtClean="0"/>
-              <a:t>7</a:t>
-            </a:fld>
-            <a:endParaRPr lang="en-US" sz="2200" dirty="0"/>
-          </a:p>
-        </p:txBody>
-      </p:sp>
-      <p:graphicFrame>
-        <p:nvGraphicFramePr>
-          <p:cNvPr id="10" name="Table 9">
-            <a:extLst>
-              <a:ext uri="{FF2B5EF4-FFF2-40B4-BE49-F238E27FC236}">
-                <a16:creationId xmlns:a16="http://schemas.microsoft.com/office/drawing/2014/main" id="{AA6998C6-43BF-5B08-7968-E3DC74254FD5}"/>
-              </a:ext>
-            </a:extLst>
-          </p:cNvPr>
-          <p:cNvGraphicFramePr>
-            <a:graphicFrameLocks noGrp="1"/>
-          </p:cNvGraphicFramePr>
-          <p:nvPr>
-            <p:extLst>
-              <p:ext uri="{D42A27DB-BD31-4B8C-83A1-F6EECF244321}">
-                <p14:modId xmlns:p14="http://schemas.microsoft.com/office/powerpoint/2010/main" val="3905851963"/>
-              </p:ext>
-            </p:extLst>
-          </p:nvPr>
-        </p:nvGraphicFramePr>
-        <p:xfrm>
-          <a:off x="1376017" y="2140963"/>
-          <a:ext cx="7410174" cy="2940896"/>
-        </p:xfrm>
-        <a:graphic>
-          <a:graphicData uri="http://schemas.openxmlformats.org/drawingml/2006/table">
-            <a:tbl>
-              <a:tblPr firstRow="1" bandRow="1">
-                <a:tableStyleId>{5C22544A-7EE6-4342-B048-85BDC9FD1C3A}</a:tableStyleId>
-              </a:tblPr>
-              <a:tblGrid>
-                <a:gridCol w="1228035">
-                  <a:extLst>
-                    <a:ext uri="{9D8B030D-6E8A-4147-A177-3AD203B41FA5}">
-                      <a16:colId xmlns:a16="http://schemas.microsoft.com/office/drawing/2014/main" val="2749089141"/>
-                    </a:ext>
-                  </a:extLst>
-                </a:gridCol>
-                <a:gridCol w="2007705">
-                  <a:extLst>
-                    <a:ext uri="{9D8B030D-6E8A-4147-A177-3AD203B41FA5}">
-                      <a16:colId xmlns:a16="http://schemas.microsoft.com/office/drawing/2014/main" val="2517257064"/>
-                    </a:ext>
-                  </a:extLst>
-                </a:gridCol>
-                <a:gridCol w="1977886">
-                  <a:extLst>
-                    <a:ext uri="{9D8B030D-6E8A-4147-A177-3AD203B41FA5}">
-                      <a16:colId xmlns:a16="http://schemas.microsoft.com/office/drawing/2014/main" val="1006458333"/>
-                    </a:ext>
-                  </a:extLst>
-                </a:gridCol>
-                <a:gridCol w="2196548">
-                  <a:extLst>
-                    <a:ext uri="{9D8B030D-6E8A-4147-A177-3AD203B41FA5}">
-                      <a16:colId xmlns:a16="http://schemas.microsoft.com/office/drawing/2014/main" val="590178051"/>
-                    </a:ext>
-                  </a:extLst>
-                </a:gridCol>
-              </a:tblGrid>
-              <a:tr h="657008">
-                <a:tc>
-                  <a:txBody>
-                    <a:bodyPr/>
-                    <a:lstStyle/>
-                    <a:p>
-                      <a:pPr algn="ctr"/>
-                      <a:r>
-                        <a:rPr lang="en-US" b="1" dirty="0" err="1"/>
-                        <a:t>ElementID</a:t>
-                      </a:r>
-                      <a:endParaRPr lang="en-US" b="1" dirty="0"/>
-                    </a:p>
-                  </a:txBody>
-                  <a:tcPr/>
-                </a:tc>
-                <a:tc>
-                  <a:txBody>
-                    <a:bodyPr/>
-                    <a:lstStyle/>
-                    <a:p>
-                      <a:pPr algn="ctr"/>
-                      <a:r>
-                        <a:rPr lang="en-US" b="1" dirty="0"/>
-                        <a:t>Name</a:t>
-                      </a:r>
-                    </a:p>
-                  </a:txBody>
-                  <a:tcPr/>
-                </a:tc>
-                <a:tc>
-                  <a:txBody>
-                    <a:bodyPr/>
-                    <a:lstStyle/>
-                    <a:p>
-                      <a:pPr algn="ctr"/>
-                      <a:r>
-                        <a:rPr lang="en-US" b="1" dirty="0"/>
-                        <a:t>Abstract Data Type</a:t>
-                      </a:r>
-                    </a:p>
-                  </a:txBody>
-                  <a:tcPr/>
-                </a:tc>
-                <a:tc>
-                  <a:txBody>
-                    <a:bodyPr/>
-                    <a:lstStyle/>
-                    <a:p>
-                      <a:pPr algn="ctr"/>
-                      <a:r>
-                        <a:rPr lang="en-US" b="1" dirty="0"/>
-                        <a:t>Data Type Semantics</a:t>
-                      </a:r>
-                    </a:p>
-                  </a:txBody>
-                  <a:tcPr/>
-                </a:tc>
-                <a:extLst>
-                  <a:ext uri="{0D108BD9-81ED-4DB2-BD59-A6C34878D82A}">
-                    <a16:rowId xmlns:a16="http://schemas.microsoft.com/office/drawing/2014/main" val="2373427687"/>
-                  </a:ext>
-                </a:extLst>
-              </a:tr>
-              <a:tr h="380648">
-                <a:tc>
-                  <a:txBody>
-                    <a:bodyPr/>
-                    <a:lstStyle/>
-                    <a:p>
-                      <a:r>
-                        <a:rPr lang="en-US" dirty="0"/>
-                        <a:t>505</a:t>
-                      </a:r>
-                    </a:p>
-                  </a:txBody>
-                  <a:tcPr/>
-                </a:tc>
-                <a:tc>
-                  <a:txBody>
-                    <a:bodyPr/>
-                    <a:lstStyle/>
-                    <a:p>
-                      <a:r>
-                        <a:rPr lang="en-IN" dirty="0" err="1"/>
-                        <a:t>gtpuFlags</a:t>
-                      </a:r>
-                      <a:endParaRPr lang="en-US" dirty="0"/>
-                    </a:p>
-                  </a:txBody>
-                  <a:tcPr/>
-                </a:tc>
-                <a:tc>
-                  <a:txBody>
-                    <a:bodyPr/>
-                    <a:lstStyle/>
-                    <a:p>
-                      <a:r>
-                        <a:rPr lang="en-IN" dirty="0"/>
-                        <a:t>unsigned8</a:t>
-                      </a:r>
-                      <a:endParaRPr lang="en-US" dirty="0"/>
-                    </a:p>
-                  </a:txBody>
-                  <a:tcPr/>
-                </a:tc>
-                <a:tc>
-                  <a:txBody>
-                    <a:bodyPr/>
-                    <a:lstStyle/>
-                    <a:p>
-                      <a:r>
-                        <a:rPr lang="en-IN" dirty="0"/>
-                        <a:t>flags</a:t>
-                      </a:r>
-                      <a:endParaRPr lang="en-US" dirty="0"/>
-                    </a:p>
-                  </a:txBody>
-                  <a:tcPr/>
-                </a:tc>
-                <a:extLst>
-                  <a:ext uri="{0D108BD9-81ED-4DB2-BD59-A6C34878D82A}">
-                    <a16:rowId xmlns:a16="http://schemas.microsoft.com/office/drawing/2014/main" val="987915150"/>
-                  </a:ext>
-                </a:extLst>
-              </a:tr>
-              <a:tr h="380648">
-                <a:tc>
-                  <a:txBody>
-                    <a:bodyPr/>
-                    <a:lstStyle/>
-                    <a:p>
-                      <a:r>
-                        <a:rPr lang="en-US" dirty="0"/>
-                        <a:t>506</a:t>
-                      </a:r>
-                    </a:p>
-                  </a:txBody>
-                  <a:tcPr/>
-                </a:tc>
-                <a:tc>
-                  <a:txBody>
-                    <a:bodyPr/>
-                    <a:lstStyle/>
-                    <a:p>
-                      <a:r>
-                        <a:rPr lang="en-IN" dirty="0" err="1"/>
-                        <a:t>gtpuMsgType</a:t>
-                      </a:r>
-                      <a:endParaRPr lang="en-US" dirty="0"/>
-                    </a:p>
-                  </a:txBody>
-                  <a:tcPr/>
-                </a:tc>
-                <a:tc>
-                  <a:txBody>
-                    <a:bodyPr/>
-                    <a:lstStyle/>
-                    <a:p>
-                      <a:r>
-                        <a:rPr lang="en-IN" dirty="0"/>
-                        <a:t>unsigned8</a:t>
-                      </a:r>
-                      <a:endParaRPr lang="en-US" dirty="0"/>
-                    </a:p>
-                  </a:txBody>
-                  <a:tcPr/>
-                </a:tc>
-                <a:tc>
-                  <a:txBody>
-                    <a:bodyPr/>
-                    <a:lstStyle/>
-                    <a:p>
-                      <a:r>
-                        <a:rPr lang="en-IN" dirty="0"/>
-                        <a:t>identifier</a:t>
-                      </a:r>
-                      <a:endParaRPr lang="en-US" dirty="0"/>
-                    </a:p>
-                  </a:txBody>
-                  <a:tcPr/>
-                </a:tc>
-                <a:extLst>
-                  <a:ext uri="{0D108BD9-81ED-4DB2-BD59-A6C34878D82A}">
-                    <a16:rowId xmlns:a16="http://schemas.microsoft.com/office/drawing/2014/main" val="2181268905"/>
-                  </a:ext>
-                </a:extLst>
-              </a:tr>
-              <a:tr h="380648">
-                <a:tc>
-                  <a:txBody>
-                    <a:bodyPr/>
-                    <a:lstStyle/>
-                    <a:p>
-                      <a:r>
-                        <a:rPr lang="en-US" dirty="0"/>
-                        <a:t>507</a:t>
-                      </a:r>
-                    </a:p>
-                  </a:txBody>
-                  <a:tcPr/>
-                </a:tc>
-                <a:tc>
-                  <a:txBody>
-                    <a:bodyPr/>
-                    <a:lstStyle/>
-                    <a:p>
-                      <a:r>
-                        <a:rPr lang="en-IN" dirty="0" err="1"/>
-                        <a:t>gtpuTEid</a:t>
-                      </a:r>
-                      <a:endParaRPr lang="en-US" dirty="0"/>
-                    </a:p>
-                  </a:txBody>
-                  <a:tcPr/>
-                </a:tc>
-                <a:tc>
-                  <a:txBody>
-                    <a:bodyPr/>
-                    <a:lstStyle/>
-                    <a:p>
-                      <a:r>
-                        <a:rPr lang="en-IN" dirty="0"/>
-                        <a:t>unsigned32</a:t>
-                      </a:r>
-                      <a:endParaRPr lang="en-US" dirty="0"/>
-                    </a:p>
-                  </a:txBody>
-                  <a:tcPr/>
-                </a:tc>
-                <a:tc>
-                  <a:txBody>
-                    <a:bodyPr/>
-                    <a:lstStyle/>
-                    <a:p>
-                      <a:r>
-                        <a:rPr lang="en-IN" dirty="0"/>
-                        <a:t>identifier</a:t>
-                      </a:r>
-                      <a:endParaRPr lang="en-US" dirty="0"/>
-                    </a:p>
-                  </a:txBody>
-                  <a:tcPr/>
-                </a:tc>
-                <a:extLst>
-                  <a:ext uri="{0D108BD9-81ED-4DB2-BD59-A6C34878D82A}">
-                    <a16:rowId xmlns:a16="http://schemas.microsoft.com/office/drawing/2014/main" val="1723264381"/>
-                  </a:ext>
-                </a:extLst>
-              </a:tr>
-              <a:tr h="380648">
-                <a:tc>
-                  <a:txBody>
-                    <a:bodyPr/>
-                    <a:lstStyle/>
-                    <a:p>
-                      <a:r>
-                        <a:rPr lang="en-US" dirty="0"/>
-                        <a:t>508</a:t>
-                      </a:r>
-                    </a:p>
-                  </a:txBody>
-                  <a:tcPr/>
-                </a:tc>
-                <a:tc>
-                  <a:txBody>
-                    <a:bodyPr/>
-                    <a:lstStyle/>
-                    <a:p>
-                      <a:r>
-                        <a:rPr lang="en-IN" dirty="0" err="1"/>
-                        <a:t>gtpuSequenceNum</a:t>
-                      </a:r>
-                      <a:endParaRPr lang="en-US" dirty="0"/>
-                    </a:p>
-                  </a:txBody>
-                  <a:tcPr/>
-                </a:tc>
-                <a:tc>
-                  <a:txBody>
-                    <a:bodyPr/>
-                    <a:lstStyle/>
-                    <a:p>
-                      <a:r>
-                        <a:rPr lang="en-IN" dirty="0"/>
-                        <a:t>unsigned16</a:t>
-                      </a:r>
-                      <a:endParaRPr lang="en-US" dirty="0"/>
-                    </a:p>
-                  </a:txBody>
-                  <a:tcPr/>
-                </a:tc>
-                <a:tc>
-                  <a:txBody>
-                    <a:bodyPr/>
-                    <a:lstStyle/>
-                    <a:p>
-                      <a:r>
-                        <a:rPr lang="en-IN" dirty="0"/>
-                        <a:t>identifier</a:t>
-                      </a:r>
-                      <a:endParaRPr lang="en-US" dirty="0"/>
-                    </a:p>
-                  </a:txBody>
-                  <a:tcPr/>
-                </a:tc>
-                <a:extLst>
-                  <a:ext uri="{0D108BD9-81ED-4DB2-BD59-A6C34878D82A}">
-                    <a16:rowId xmlns:a16="http://schemas.microsoft.com/office/drawing/2014/main" val="4272972891"/>
-                  </a:ext>
-                </a:extLst>
-              </a:tr>
-              <a:tr h="380648">
-                <a:tc>
-                  <a:txBody>
-                    <a:bodyPr/>
-                    <a:lstStyle/>
-                    <a:p>
-                      <a:r>
-                        <a:rPr lang="en-US" dirty="0"/>
-                        <a:t>509</a:t>
-                      </a:r>
-                    </a:p>
-                  </a:txBody>
-                  <a:tcPr/>
-                </a:tc>
-                <a:tc>
-                  <a:txBody>
-                    <a:bodyPr/>
-                    <a:lstStyle/>
-                    <a:p>
-                      <a:r>
-                        <a:rPr lang="en-IN" dirty="0" err="1"/>
-                        <a:t>gtpuQFI</a:t>
-                      </a:r>
-                      <a:endParaRPr lang="en-US" dirty="0"/>
-                    </a:p>
-                  </a:txBody>
-                  <a:tcPr/>
-                </a:tc>
-                <a:tc>
-                  <a:txBody>
-                    <a:bodyPr/>
-                    <a:lstStyle/>
-                    <a:p>
-                      <a:r>
-                        <a:rPr lang="en-IN" dirty="0"/>
-                        <a:t>unsigned8</a:t>
-                      </a:r>
-                      <a:endParaRPr lang="en-US" dirty="0"/>
-                    </a:p>
-                  </a:txBody>
-                  <a:tcPr/>
-                </a:tc>
-                <a:tc>
-                  <a:txBody>
-                    <a:bodyPr/>
-                    <a:lstStyle/>
-                    <a:p>
-                      <a:r>
-                        <a:rPr lang="en-IN" dirty="0"/>
-                        <a:t>identifier</a:t>
-                      </a:r>
-                      <a:endParaRPr lang="en-US" dirty="0"/>
-                    </a:p>
-                  </a:txBody>
-                  <a:tcPr/>
-                </a:tc>
-                <a:extLst>
-                  <a:ext uri="{0D108BD9-81ED-4DB2-BD59-A6C34878D82A}">
-                    <a16:rowId xmlns:a16="http://schemas.microsoft.com/office/drawing/2014/main" val="3588560612"/>
-                  </a:ext>
-                </a:extLst>
-              </a:tr>
-              <a:tr h="380648">
-                <a:tc>
-                  <a:txBody>
-                    <a:bodyPr/>
-                    <a:lstStyle/>
-                    <a:p>
-                      <a:r>
-                        <a:rPr lang="en-US" dirty="0"/>
-                        <a:t>510</a:t>
-                      </a:r>
-                    </a:p>
-                  </a:txBody>
-                  <a:tcPr/>
-                </a:tc>
-                <a:tc>
-                  <a:txBody>
-                    <a:bodyPr/>
-                    <a:lstStyle/>
-                    <a:p>
-                      <a:r>
-                        <a:rPr lang="en-IN" dirty="0" err="1"/>
-                        <a:t>gtpuPduType</a:t>
-                      </a:r>
-                      <a:endParaRPr lang="en-US" dirty="0"/>
-                    </a:p>
-                  </a:txBody>
-                  <a:tcPr/>
-                </a:tc>
-                <a:tc>
-                  <a:txBody>
-                    <a:bodyPr/>
-                    <a:lstStyle/>
-                    <a:p>
-                      <a:r>
-                        <a:rPr lang="en-IN" dirty="0"/>
-                        <a:t>unsigned8</a:t>
-                      </a:r>
-                      <a:endParaRPr lang="en-US" dirty="0"/>
-                    </a:p>
-                  </a:txBody>
-                  <a:tcPr/>
-                </a:tc>
-                <a:tc>
-                  <a:txBody>
-                    <a:bodyPr/>
-                    <a:lstStyle/>
-                    <a:p>
-                      <a:r>
-                        <a:rPr lang="en-IN" dirty="0"/>
-                        <a:t>identifier</a:t>
-                      </a:r>
-                      <a:endParaRPr lang="en-US" dirty="0"/>
-                    </a:p>
-                  </a:txBody>
-                  <a:tcPr/>
-                </a:tc>
-                <a:extLst>
-                  <a:ext uri="{0D108BD9-81ED-4DB2-BD59-A6C34878D82A}">
-                    <a16:rowId xmlns:a16="http://schemas.microsoft.com/office/drawing/2014/main" val="2747529671"/>
-                  </a:ext>
-                </a:extLst>
-              </a:tr>
-            </a:tbl>
-          </a:graphicData>
-        </a:graphic>
-      </p:graphicFrame>
-    </p:spTree>
-    <p:extLst>
-      <p:ext uri="{BB962C8B-B14F-4D97-AF65-F5344CB8AC3E}">
-        <p14:creationId xmlns:p14="http://schemas.microsoft.com/office/powerpoint/2010/main" val="1635653156"/>
-      </p:ext>
-    </p:extLst>
-  </p:cSld>
-  <p:clrMapOvr>
-    <a:masterClrMapping/>
-  </p:clrMapOvr>
-</p:sld>
-</file>
-
-<file path=ppt/slides/slide8.xml><?xml version="1.0" encoding="utf-8"?>
-<p:sld xmlns:a="http://schemas.openxmlformats.org/drawingml/2006/main" xmlns:r="http://schemas.openxmlformats.org/officeDocument/2006/relationships" xmlns:p="http://schemas.openxmlformats.org/presentationml/2006/main">
-  <p:cSld>
-    <p:spTree>
-      <p:nvGrpSpPr>
-        <p:cNvPr id="1" name=""/>
-        <p:cNvGrpSpPr/>
-        <p:nvPr/>
-      </p:nvGrpSpPr>
-      <p:grpSpPr>
-        <a:xfrm>
-          <a:off x="0" y="0"/>
-          <a:ext cx="0" cy="0"/>
-          <a:chOff x="0" y="0"/>
-          <a:chExt cx="0" cy="0"/>
-        </a:xfrm>
-      </p:grpSpPr>
-      <p:sp>
-        <p:nvSpPr>
-          <p:cNvPr id="2" name="Title 1">
-            <a:extLst>
-              <a:ext uri="{FF2B5EF4-FFF2-40B4-BE49-F238E27FC236}">
-                <a16:creationId xmlns:a16="http://schemas.microsoft.com/office/drawing/2014/main" id="{FF20F271-6F0D-4AC0-BB1D-F5C338165C13}"/>
-              </a:ext>
-            </a:extLst>
-          </p:cNvPr>
-          <p:cNvSpPr>
-            <a:spLocks noGrp="1"/>
-          </p:cNvSpPr>
-          <p:nvPr>
-            <p:ph type="title"/>
-          </p:nvPr>
-        </p:nvSpPr>
-        <p:spPr/>
-        <p:txBody>
-          <a:bodyPr>
-            <a:normAutofit/>
-          </a:bodyPr>
-          <a:lstStyle/>
-          <a:p>
-            <a:r>
-              <a:rPr lang="en-US" sz="3600" b="1" dirty="0">
-                <a:highlight>
-                  <a:srgbClr val="FFFF00"/>
-                </a:highlight>
-              </a:rPr>
-              <a:t>GTP-U @ IPFIX</a:t>
-            </a:r>
-            <a:br>
-              <a:rPr lang="en-US" sz="3600" dirty="0">
-                <a:highlight>
-                  <a:srgbClr val="FFFF00"/>
-                </a:highlight>
-              </a:rPr>
-            </a:br>
-            <a:r>
-              <a:rPr lang="en-US" sz="3600" dirty="0">
-                <a:solidFill>
-                  <a:schemeClr val="bg2">
-                    <a:lumMod val="75000"/>
-                  </a:schemeClr>
-                </a:solidFill>
-                <a:highlight>
-                  <a:srgbClr val="FFFF00"/>
-                </a:highlight>
-              </a:rPr>
-              <a:t>Next Steps</a:t>
-            </a:r>
-          </a:p>
-        </p:txBody>
-      </p:sp>
-      <p:sp>
-        <p:nvSpPr>
-          <p:cNvPr id="3" name="Content Placeholder 2">
-            <a:extLst>
-              <a:ext uri="{FF2B5EF4-FFF2-40B4-BE49-F238E27FC236}">
-                <a16:creationId xmlns:a16="http://schemas.microsoft.com/office/drawing/2014/main" id="{29C0DFD4-432D-4B0C-93DF-790441DCF5B9}"/>
-              </a:ext>
-            </a:extLst>
-          </p:cNvPr>
-          <p:cNvSpPr>
-            <a:spLocks noGrp="1"/>
-          </p:cNvSpPr>
-          <p:nvPr>
-            <p:ph idx="1"/>
-          </p:nvPr>
-        </p:nvSpPr>
-        <p:spPr>
-          <a:xfrm>
-            <a:off x="838200" y="1825625"/>
-            <a:ext cx="10515600" cy="3353204"/>
-          </a:xfrm>
-        </p:spPr>
-        <p:txBody>
-          <a:bodyPr>
-            <a:normAutofit/>
-          </a:bodyPr>
-          <a:lstStyle/>
-          <a:p>
-            <a:r>
-              <a:rPr lang="en-US" sz="2400" dirty="0"/>
-              <a:t>Data-Plane visibility is missing in GTP. </a:t>
-            </a:r>
-            <a:endParaRPr lang="en-US" sz="2400" b="1" dirty="0"/>
-          </a:p>
-          <a:p>
-            <a:r>
-              <a:rPr lang="en-US" sz="2400" dirty="0"/>
-              <a:t>Authors want to avoid private enterprise code points being used in GTP 5G deployments.</a:t>
-            </a:r>
-          </a:p>
-          <a:p>
-            <a:r>
-              <a:rPr lang="en-US" sz="2400" i="0" u="none" strike="noStrike" dirty="0">
-                <a:solidFill>
-                  <a:srgbClr val="212121"/>
-                </a:solidFill>
-                <a:effectLst/>
-              </a:rPr>
-              <a:t>This draft could progress to document the use cases </a:t>
-            </a:r>
-            <a:r>
-              <a:rPr lang="en-US" sz="2400" dirty="0">
-                <a:solidFill>
-                  <a:srgbClr val="212121"/>
-                </a:solidFill>
-              </a:rPr>
-              <a:t>and will be</a:t>
-            </a:r>
-            <a:r>
-              <a:rPr lang="en-US" sz="2400" i="0" u="none" strike="noStrike" dirty="0">
-                <a:solidFill>
-                  <a:srgbClr val="212121"/>
-                </a:solidFill>
-                <a:effectLst/>
-              </a:rPr>
-              <a:t> helpful for 3GPP references also.</a:t>
-            </a:r>
-          </a:p>
-          <a:p>
             <a:endParaRPr lang="en-US" sz="2400" dirty="0"/>
-          </a:p>
-        </p:txBody>
-      </p:sp>
-      <p:sp>
-        <p:nvSpPr>
-          <p:cNvPr id="6" name="Slide Number Placeholder 1">
-            <a:extLst>
-              <a:ext uri="{FF2B5EF4-FFF2-40B4-BE49-F238E27FC236}">
-                <a16:creationId xmlns:a16="http://schemas.microsoft.com/office/drawing/2014/main" id="{F0EC51CE-09A9-4E4B-B5C0-99570D63CA28}"/>
-              </a:ext>
-            </a:extLst>
-          </p:cNvPr>
-          <p:cNvSpPr>
-            <a:spLocks noGrp="1"/>
-          </p:cNvSpPr>
-          <p:nvPr>
-            <p:ph type="sldNum" sz="quarter" idx="12"/>
-          </p:nvPr>
-        </p:nvSpPr>
-        <p:spPr>
-          <a:xfrm>
-            <a:off x="11607800" y="6362700"/>
-            <a:ext cx="414338" cy="365125"/>
-          </a:xfrm>
-        </p:spPr>
-        <p:txBody>
-          <a:bodyPr/>
-          <a:lstStyle/>
-          <a:p>
-            <a:fld id="{FC4AC485-25DE-431E-B345-9C0A15BB7F8A}" type="slidenum">
-              <a:rPr lang="en-US" sz="2200" smtClean="0"/>
-              <a:t>8</a:t>
-            </a:fld>
-            <a:endParaRPr lang="en-US" sz="2200" dirty="0"/>
           </a:p>
         </p:txBody>
       </p:sp>

--- a/draft-ietf-opsawg-ipfix-gtpu-00.pptx
+++ b/draft-ietf-opsawg-ipfix-gtpu-00.pptx
@@ -926,7 +926,7 @@
           <a:p>
             <a:fld id="{E5E705E9-673F-4AC4-B29E-A7B26F3B8523}" type="datetimeFigureOut">
               <a:rPr lang="de-CH" smtClean="0"/>
-              <a:t>28.10.24</a:t>
+              <a:t>04.11.24</a:t>
             </a:fld>
             <a:endParaRPr lang="de-CH"/>
           </a:p>
@@ -1343,7 +1343,7 @@
           <a:p>
             <a:fld id="{9E9B238C-2335-4007-98C9-471C02CC43B6}" type="datetimeFigureOut">
               <a:rPr lang="de-CH" smtClean="0"/>
-              <a:t>28.10.24</a:t>
+              <a:t>04.11.24</a:t>
             </a:fld>
             <a:endParaRPr lang="de-CH"/>
           </a:p>
@@ -1543,7 +1543,7 @@
           <a:p>
             <a:fld id="{9E9B238C-2335-4007-98C9-471C02CC43B6}" type="datetimeFigureOut">
               <a:rPr lang="de-CH" smtClean="0"/>
-              <a:t>28.10.24</a:t>
+              <a:t>04.11.24</a:t>
             </a:fld>
             <a:endParaRPr lang="de-CH"/>
           </a:p>
@@ -1753,7 +1753,7 @@
           <a:p>
             <a:fld id="{9E9B238C-2335-4007-98C9-471C02CC43B6}" type="datetimeFigureOut">
               <a:rPr lang="de-CH" smtClean="0"/>
-              <a:t>28.10.24</a:t>
+              <a:t>04.11.24</a:t>
             </a:fld>
             <a:endParaRPr lang="de-CH"/>
           </a:p>
@@ -1953,7 +1953,7 @@
           <a:p>
             <a:fld id="{9E9B238C-2335-4007-98C9-471C02CC43B6}" type="datetimeFigureOut">
               <a:rPr lang="de-CH" smtClean="0"/>
-              <a:t>28.10.24</a:t>
+              <a:t>04.11.24</a:t>
             </a:fld>
             <a:endParaRPr lang="de-CH"/>
           </a:p>
@@ -2229,7 +2229,7 @@
           <a:p>
             <a:fld id="{9E9B238C-2335-4007-98C9-471C02CC43B6}" type="datetimeFigureOut">
               <a:rPr lang="de-CH" smtClean="0"/>
-              <a:t>28.10.24</a:t>
+              <a:t>04.11.24</a:t>
             </a:fld>
             <a:endParaRPr lang="de-CH"/>
           </a:p>
@@ -2497,7 +2497,7 @@
           <a:p>
             <a:fld id="{9E9B238C-2335-4007-98C9-471C02CC43B6}" type="datetimeFigureOut">
               <a:rPr lang="de-CH" smtClean="0"/>
-              <a:t>28.10.24</a:t>
+              <a:t>04.11.24</a:t>
             </a:fld>
             <a:endParaRPr lang="de-CH"/>
           </a:p>
@@ -2912,7 +2912,7 @@
           <a:p>
             <a:fld id="{9E9B238C-2335-4007-98C9-471C02CC43B6}" type="datetimeFigureOut">
               <a:rPr lang="de-CH" smtClean="0"/>
-              <a:t>28.10.24</a:t>
+              <a:t>04.11.24</a:t>
             </a:fld>
             <a:endParaRPr lang="de-CH"/>
           </a:p>
@@ -3054,7 +3054,7 @@
           <a:p>
             <a:fld id="{9E9B238C-2335-4007-98C9-471C02CC43B6}" type="datetimeFigureOut">
               <a:rPr lang="de-CH" smtClean="0"/>
-              <a:t>28.10.24</a:t>
+              <a:t>04.11.24</a:t>
             </a:fld>
             <a:endParaRPr lang="de-CH"/>
           </a:p>
@@ -3167,7 +3167,7 @@
           <a:p>
             <a:fld id="{9E9B238C-2335-4007-98C9-471C02CC43B6}" type="datetimeFigureOut">
               <a:rPr lang="de-CH" smtClean="0"/>
-              <a:t>28.10.24</a:t>
+              <a:t>04.11.24</a:t>
             </a:fld>
             <a:endParaRPr lang="de-CH"/>
           </a:p>
@@ -3480,7 +3480,7 @@
           <a:p>
             <a:fld id="{9E9B238C-2335-4007-98C9-471C02CC43B6}" type="datetimeFigureOut">
               <a:rPr lang="de-CH" smtClean="0"/>
-              <a:t>28.10.24</a:t>
+              <a:t>04.11.24</a:t>
             </a:fld>
             <a:endParaRPr lang="de-CH"/>
           </a:p>
@@ -3769,7 +3769,7 @@
           <a:p>
             <a:fld id="{9E9B238C-2335-4007-98C9-471C02CC43B6}" type="datetimeFigureOut">
               <a:rPr lang="de-CH" smtClean="0"/>
-              <a:t>28.10.24</a:t>
+              <a:t>04.11.24</a:t>
             </a:fld>
             <a:endParaRPr lang="de-CH"/>
           </a:p>
@@ -4012,7 +4012,7 @@
           <a:p>
             <a:fld id="{9E9B238C-2335-4007-98C9-471C02CC43B6}" type="datetimeFigureOut">
               <a:rPr lang="de-CH" smtClean="0"/>
-              <a:t>28.10.24</a:t>
+              <a:t>04.11.24</a:t>
             </a:fld>
             <a:endParaRPr lang="de-CH"/>
           </a:p>
@@ -5000,8 +5000,8 @@
         </p:nvSpPr>
         <p:spPr>
           <a:xfrm>
-            <a:off x="639418" y="2506663"/>
-            <a:ext cx="7202556" cy="2005702"/>
+            <a:off x="639418" y="2506662"/>
+            <a:ext cx="7202556" cy="2860467"/>
           </a:xfrm>
         </p:spPr>
         <p:txBody>
@@ -5072,6 +5072,26 @@
               <a:rPr lang="en-US" sz="2000" dirty="0"/>
               <a:t>Shared with DMM WG</a:t>
             </a:r>
+          </a:p>
+          <a:p>
+            <a:r>
+              <a:rPr lang="en-IN" sz="2000" dirty="0">
+                <a:effectLst/>
+                <a:latin typeface="Calibri" panose="020F0502020204030204" pitchFamily="34" charset="0"/>
+              </a:rPr>
+              <a:t>Review and adding </a:t>
+            </a:r>
+            <a:r>
+              <a:rPr lang="en-IN" sz="2000">
+                <a:effectLst/>
+                <a:latin typeface="Calibri" panose="020F0502020204030204" pitchFamily="34" charset="0"/>
+              </a:rPr>
+              <a:t>Mohamed’s comments</a:t>
+            </a:r>
+            <a:endParaRPr lang="en-IN" sz="2000" dirty="0">
+              <a:effectLst/>
+              <a:latin typeface="ArialMT"/>
+            </a:endParaRPr>
           </a:p>
         </p:txBody>
       </p:sp>
